--- a/S3 Poster/Multifidelity aeroelastic optimization with application to a BWB.pptx
+++ b/S3 Poster/Multifidelity aeroelastic optimization with application to a BWB.pptx
@@ -174,7 +174,7 @@
           <a:lstStyle/>
           <a:p>
             <a:pPr>
-              <a:defRPr sz="1400" b="0" i="0" u="none" strike="noStrike" kern="1200" spc="0" baseline="0">
+              <a:defRPr sz="1600" b="0" i="0" u="none" strike="noStrike" kern="1200" spc="0" baseline="0">
                 <a:solidFill>
                   <a:schemeClr val="tx1">
                     <a:lumMod val="65000"/>
@@ -187,12 +187,8 @@
               </a:defRPr>
             </a:pPr>
             <a:r>
-              <a:rPr lang="es-MX"/>
-              <a:t>Execution</a:t>
-            </a:r>
-            <a:r>
-              <a:rPr lang="es-MX" baseline="0"/>
-              <a:t> time for multifidelity func of iterations</a:t>
+              <a:rPr lang="es-MX" sz="1600"/>
+              <a:t>MDA Multifidelity Performance</a:t>
             </a:r>
           </a:p>
         </c:rich>
@@ -210,7 +206,7 @@
         <a:lstStyle/>
         <a:p>
           <a:pPr>
-            <a:defRPr sz="1400" b="0" i="0" u="none" strike="noStrike" kern="1200" spc="0" baseline="0">
+            <a:defRPr sz="1600" b="0" i="0" u="none" strike="noStrike" kern="1200" spc="0" baseline="0">
               <a:solidFill>
                 <a:schemeClr val="tx1">
                   <a:lumMod val="65000"/>
@@ -228,124 +224,14 @@
     </c:title>
     <c:autoTitleDeleted val="0"/>
     <c:plotArea>
-      <c:layout>
-        <c:manualLayout>
-          <c:layoutTarget val="inner"/>
-          <c:xMode val="edge"/>
-          <c:yMode val="edge"/>
-          <c:x val="0.10240235798663674"/>
-          <c:y val="0.13018227127283102"/>
-          <c:w val="0.79967543506609451"/>
-          <c:h val="0.70438710510806291"/>
-        </c:manualLayout>
-      </c:layout>
-      <c:scatterChart>
-        <c:scatterStyle val="smoothMarker"/>
+      <c:layout/>
+      <c:barChart>
+        <c:barDir val="col"/>
+        <c:grouping val="stacked"/>
         <c:varyColors val="0"/>
         <c:ser>
           <c:idx val="0"/>
           <c:order val="0"/>
-          <c:tx>
-            <c:strRef>
-              <c:f>Hoja1!$B$1</c:f>
-              <c:strCache>
-                <c:ptCount val="1"/>
-                <c:pt idx="0">
-                  <c:v>Hi-Fi Iterations</c:v>
-                </c:pt>
-              </c:strCache>
-            </c:strRef>
-          </c:tx>
-          <c:spPr>
-            <a:ln w="19050" cap="rnd">
-              <a:solidFill>
-                <a:schemeClr val="accent1"/>
-              </a:solidFill>
-              <a:round/>
-            </a:ln>
-            <a:effectLst/>
-          </c:spPr>
-          <c:marker>
-            <c:symbol val="circle"/>
-            <c:size val="5"/>
-            <c:spPr>
-              <a:solidFill>
-                <a:schemeClr val="accent1"/>
-              </a:solidFill>
-              <a:ln w="9525">
-                <a:solidFill>
-                  <a:schemeClr val="accent1"/>
-                </a:solidFill>
-              </a:ln>
-              <a:effectLst/>
-            </c:spPr>
-          </c:marker>
-          <c:xVal>
-            <c:numRef>
-              <c:f>Hoja1!$B$2:$B$5</c:f>
-              <c:numCache>
-                <c:formatCode>General</c:formatCode>
-                <c:ptCount val="4"/>
-                <c:pt idx="0">
-                  <c:v>15</c:v>
-                </c:pt>
-                <c:pt idx="1">
-                  <c:v>17</c:v>
-                </c:pt>
-                <c:pt idx="2">
-                  <c:v>11</c:v>
-                </c:pt>
-                <c:pt idx="3">
-                  <c:v>11</c:v>
-                </c:pt>
-              </c:numCache>
-            </c:numRef>
-          </c:xVal>
-          <c:yVal>
-            <c:numRef>
-              <c:f>Hoja1!$C$2:$C$5</c:f>
-              <c:numCache>
-                <c:formatCode>General</c:formatCode>
-                <c:ptCount val="4"/>
-                <c:pt idx="0">
-                  <c:v>132.49428230000001</c:v>
-                </c:pt>
-                <c:pt idx="1">
-                  <c:v>166.6233268</c:v>
-                </c:pt>
-                <c:pt idx="2">
-                  <c:v>135.7195384</c:v>
-                </c:pt>
-                <c:pt idx="3">
-                  <c:v>146.22857819999999</c:v>
-                </c:pt>
-              </c:numCache>
-            </c:numRef>
-          </c:yVal>
-          <c:smooth val="1"/>
-          <c:extLst>
-            <c:ext xmlns:c16="http://schemas.microsoft.com/office/drawing/2014/chart" uri="{C3380CC4-5D6E-409C-BE32-E72D297353CC}">
-              <c16:uniqueId val="{00000000-872D-4497-945B-5F05597EFE4D}"/>
-            </c:ext>
-          </c:extLst>
-        </c:ser>
-        <c:dLbls>
-          <c:showLegendKey val="0"/>
-          <c:showVal val="0"/>
-          <c:showCatName val="0"/>
-          <c:showSerName val="0"/>
-          <c:showPercent val="0"/>
-          <c:showBubbleSize val="0"/>
-        </c:dLbls>
-        <c:axId val="72288496"/>
-        <c:axId val="72286576"/>
-      </c:scatterChart>
-      <c:scatterChart>
-        <c:scatterStyle val="smoothMarker"/>
-        <c:varyColors val="0"/>
-        <c:ser>
-          <c:idx val="1"/>
-          <c:order val="1"/>
           <c:tx>
             <c:strRef>
               <c:f>Hoja1!$A$1</c:f>
@@ -358,75 +244,144 @@
             </c:strRef>
           </c:tx>
           <c:spPr>
-            <a:ln w="19050" cap="rnd">
-              <a:solidFill>
-                <a:schemeClr val="accent2"/>
-              </a:solidFill>
-              <a:round/>
+            <a:solidFill>
+              <a:srgbClr val="002060"/>
+            </a:solidFill>
+            <a:ln>
+              <a:noFill/>
             </a:ln>
             <a:effectLst/>
           </c:spPr>
-          <c:marker>
-            <c:symbol val="circle"/>
-            <c:size val="5"/>
-            <c:spPr>
-              <a:solidFill>
-                <a:schemeClr val="accent2"/>
-              </a:solidFill>
-              <a:ln w="9525">
-                <a:solidFill>
-                  <a:schemeClr val="accent2"/>
-                </a:solidFill>
-              </a:ln>
-              <a:effectLst/>
-            </c:spPr>
-          </c:marker>
-          <c:xVal>
+          <c:invertIfNegative val="0"/>
+          <c:cat>
             <c:numRef>
-              <c:f>Hoja1!$A$2:$A$5</c:f>
+              <c:f>Hoja1!$H$2:$H$6</c:f>
               <c:numCache>
                 <c:formatCode>General</c:formatCode>
-                <c:ptCount val="4"/>
+                <c:ptCount val="5"/>
                 <c:pt idx="0">
+                  <c:v>0</c:v>
+                </c:pt>
+                <c:pt idx="1">
                   <c:v>5</c:v>
                 </c:pt>
-                <c:pt idx="1">
+                <c:pt idx="2">
                   <c:v>10</c:v>
                 </c:pt>
-                <c:pt idx="2">
+                <c:pt idx="3">
                   <c:v>15</c:v>
                 </c:pt>
-                <c:pt idx="3">
+                <c:pt idx="4">
                   <c:v>20</c:v>
                 </c:pt>
               </c:numCache>
             </c:numRef>
-          </c:xVal>
-          <c:yVal>
+          </c:cat>
+          <c:val>
             <c:numRef>
-              <c:f>Hoja1!$C$2:$C$5</c:f>
+              <c:f>Hoja1!$A$2:$A$6</c:f>
               <c:numCache>
                 <c:formatCode>General</c:formatCode>
-                <c:ptCount val="4"/>
+                <c:ptCount val="5"/>
                 <c:pt idx="0">
-                  <c:v>132.49428230000001</c:v>
+                  <c:v>0</c:v>
                 </c:pt>
                 <c:pt idx="1">
-                  <c:v>166.6233268</c:v>
+                  <c:v>5</c:v>
                 </c:pt>
                 <c:pt idx="2">
-                  <c:v>135.7195384</c:v>
+                  <c:v>10</c:v>
                 </c:pt>
                 <c:pt idx="3">
-                  <c:v>146.22857819999999</c:v>
+                  <c:v>15</c:v>
+                </c:pt>
+                <c:pt idx="4">
+                  <c:v>20</c:v>
                 </c:pt>
               </c:numCache>
             </c:numRef>
-          </c:yVal>
-          <c:smooth val="1"/>
+          </c:val>
           <c:extLst>
             <c:ext xmlns:c16="http://schemas.microsoft.com/office/drawing/2014/chart" uri="{C3380CC4-5D6E-409C-BE32-E72D297353CC}">
-              <c16:uniqueId val="{00000001-872D-4497-945B-5F05597EFE4D}"/>
+              <c16:uniqueId val="{00000000-C883-4BD5-8D10-EAC4D1B483BF}"/>
+            </c:ext>
+          </c:extLst>
+        </c:ser>
+        <c:ser>
+          <c:idx val="1"/>
+          <c:order val="1"/>
+          <c:tx>
+            <c:strRef>
+              <c:f>Hoja1!$D$1</c:f>
+              <c:strCache>
+                <c:ptCount val="1"/>
+                <c:pt idx="0">
+                  <c:v>Hi-Fi Iterations</c:v>
+                </c:pt>
+              </c:strCache>
+            </c:strRef>
+          </c:tx>
+          <c:spPr>
+            <a:solidFill>
+              <a:srgbClr val="00B0F0"/>
+            </a:solidFill>
+            <a:ln>
+              <a:noFill/>
+            </a:ln>
+            <a:effectLst/>
+          </c:spPr>
+          <c:invertIfNegative val="0"/>
+          <c:cat>
+            <c:numRef>
+              <c:f>Hoja1!$H$2:$H$6</c:f>
+              <c:numCache>
+                <c:formatCode>General</c:formatCode>
+                <c:ptCount val="5"/>
+                <c:pt idx="0">
+                  <c:v>0</c:v>
+                </c:pt>
+                <c:pt idx="1">
+                  <c:v>5</c:v>
+                </c:pt>
+                <c:pt idx="2">
+                  <c:v>10</c:v>
+                </c:pt>
+                <c:pt idx="3">
+                  <c:v>15</c:v>
+                </c:pt>
+                <c:pt idx="4">
+                  <c:v>20</c:v>
+                </c:pt>
+              </c:numCache>
+            </c:numRef>
+          </c:cat>
+          <c:val>
+            <c:numRef>
+              <c:f>Hoja1!$D$2:$D$6</c:f>
+              <c:numCache>
+                <c:formatCode>General</c:formatCode>
+                <c:ptCount val="5"/>
+                <c:pt idx="0">
+                  <c:v>18</c:v>
+                </c:pt>
+                <c:pt idx="1">
+                  <c:v>15</c:v>
+                </c:pt>
+                <c:pt idx="2">
+                  <c:v>16</c:v>
+                </c:pt>
+                <c:pt idx="3">
+                  <c:v>10</c:v>
+                </c:pt>
+                <c:pt idx="4">
+                  <c:v>11</c:v>
+                </c:pt>
+              </c:numCache>
+            </c:numRef>
+          </c:val>
+          <c:extLst>
+            <c:ext xmlns:c16="http://schemas.microsoft.com/office/drawing/2014/chart" uri="{C3380CC4-5D6E-409C-BE32-E72D297353CC}">
+              <c16:uniqueId val="{00000001-C883-4BD5-8D10-EAC4D1B483BF}"/>
             </c:ext>
           </c:extLst>
         </c:ser>
@@ -438,17 +393,127 @@
           <c:showPercent val="0"/>
           <c:showBubbleSize val="0"/>
         </c:dLbls>
-        <c:axId val="127098168"/>
-        <c:axId val="127099448"/>
+        <c:gapWidth val="219"/>
+        <c:overlap val="100"/>
+        <c:axId val="664736272"/>
+        <c:axId val="664736912"/>
+      </c:barChart>
+      <c:scatterChart>
+        <c:scatterStyle val="smoothMarker"/>
+        <c:varyColors val="0"/>
+        <c:ser>
+          <c:idx val="2"/>
+          <c:order val="2"/>
+          <c:tx>
+            <c:strRef>
+              <c:f>Hoja1!$E$1</c:f>
+              <c:strCache>
+                <c:ptCount val="1"/>
+                <c:pt idx="0">
+                  <c:v>Execution Time [s]</c:v>
+                </c:pt>
+              </c:strCache>
+            </c:strRef>
+          </c:tx>
+          <c:spPr>
+            <a:ln w="28575" cap="rnd">
+              <a:solidFill>
+                <a:srgbClr val="A2111C"/>
+              </a:solidFill>
+              <a:round/>
+            </a:ln>
+            <a:effectLst/>
+          </c:spPr>
+          <c:marker>
+            <c:symbol val="circle"/>
+            <c:size val="5"/>
+            <c:spPr>
+              <a:solidFill>
+                <a:srgbClr val="A2111C"/>
+              </a:solidFill>
+              <a:ln w="9525">
+                <a:solidFill>
+                  <a:srgbClr val="A2111C"/>
+                </a:solidFill>
+              </a:ln>
+              <a:effectLst/>
+            </c:spPr>
+          </c:marker>
+          <c:yVal>
+            <c:numRef>
+              <c:f>Hoja1!$E$2:$E$6</c:f>
+              <c:numCache>
+                <c:formatCode>General</c:formatCode>
+                <c:ptCount val="5"/>
+                <c:pt idx="0">
+                  <c:v>134.8372277</c:v>
+                </c:pt>
+                <c:pt idx="1">
+                  <c:v>159.63660299989999</c:v>
+                </c:pt>
+                <c:pt idx="2">
+                  <c:v>151.59884439999999</c:v>
+                </c:pt>
+                <c:pt idx="3">
+                  <c:v>123.715413699</c:v>
+                </c:pt>
+                <c:pt idx="4">
+                  <c:v>144.30916339999999</c:v>
+                </c:pt>
+              </c:numCache>
+            </c:numRef>
+          </c:yVal>
+          <c:smooth val="1"/>
+          <c:extLst>
+            <c:ext xmlns:c16="http://schemas.microsoft.com/office/drawing/2014/chart" uri="{C3380CC4-5D6E-409C-BE32-E72D297353CC}">
+              <c16:uniqueId val="{00000002-C883-4BD5-8D10-EAC4D1B483BF}"/>
+            </c:ext>
+          </c:extLst>
+        </c:ser>
+        <c:dLbls>
+          <c:showLegendKey val="0"/>
+          <c:showVal val="0"/>
+          <c:showCatName val="0"/>
+          <c:showSerName val="0"/>
+          <c:showPercent val="0"/>
+          <c:showBubbleSize val="0"/>
+        </c:dLbls>
+        <c:axId val="664747152"/>
+        <c:axId val="664746512"/>
       </c:scatterChart>
-      <c:valAx>
-        <c:axId val="72288496"/>
+      <c:catAx>
+        <c:axId val="664736272"/>
         <c:scaling>
           <c:orientation val="minMax"/>
         </c:scaling>
         <c:delete val="0"/>
         <c:axPos val="b"/>
         <c:title>
+          <c:tx>
+            <c:rich>
+              <a:bodyPr rot="0" spcFirstLastPara="1" vertOverflow="ellipsis" vert="horz" wrap="square" anchor="ctr" anchorCtr="1"/>
+              <a:lstStyle/>
+              <a:p>
+                <a:pPr>
+                  <a:defRPr sz="1050" b="0" i="0" u="none" strike="noStrike" kern="1200" baseline="0">
+                    <a:solidFill>
+                      <a:schemeClr val="tx1">
+                        <a:lumMod val="65000"/>
+                        <a:lumOff val="35000"/>
+                      </a:schemeClr>
+                    </a:solidFill>
+                    <a:latin typeface="+mn-lt"/>
+                    <a:ea typeface="+mn-ea"/>
+                    <a:cs typeface="+mn-cs"/>
+                  </a:defRPr>
+                </a:pPr>
+                <a:r>
+                  <a:rPr lang="es-MX" sz="1050"/>
+                  <a:t>Max. allowed Lo-Fi iterations</a:t>
+                </a:r>
+              </a:p>
+            </c:rich>
+          </c:tx>
           <c:overlay val="0"/>
           <c:spPr>
             <a:noFill/>
@@ -462,7 +527,7 @@
             <a:lstStyle/>
             <a:p>
               <a:pPr>
-                <a:defRPr sz="1000" b="0" i="0" u="none" strike="noStrike" kern="1200" baseline="0">
+                <a:defRPr sz="1050" b="0" i="0" u="none" strike="noStrike" kern="1200" baseline="0">
                   <a:solidFill>
                     <a:schemeClr val="tx1">
                       <a:lumMod val="65000"/>
@@ -487,8 +552,8 @@
           <a:ln w="9525" cap="flat" cmpd="sng" algn="ctr">
             <a:solidFill>
               <a:schemeClr val="tx1">
-                <a:lumMod val="25000"/>
-                <a:lumOff val="75000"/>
+                <a:lumMod val="15000"/>
+                <a:lumOff val="85000"/>
               </a:schemeClr>
             </a:solidFill>
             <a:round/>
@@ -515,15 +580,17 @@
             <a:endParaRPr lang="es-MX"/>
           </a:p>
         </c:txPr>
-        <c:crossAx val="72286576"/>
+        <c:crossAx val="664736912"/>
         <c:crosses val="autoZero"/>
-        <c:crossBetween val="midCat"/>
-      </c:valAx>
+        <c:auto val="1"/>
+        <c:lblAlgn val="ctr"/>
+        <c:lblOffset val="100"/>
+        <c:noMultiLvlLbl val="0"/>
+      </c:catAx>
       <c:valAx>
-        <c:axId val="72286576"/>
+        <c:axId val="664736912"/>
         <c:scaling>
           <c:orientation val="minMax"/>
-          <c:min val="100"/>
         </c:scaling>
         <c:delete val="0"/>
         <c:axPos val="l"/>
@@ -542,6 +609,31 @@
           </c:spPr>
         </c:majorGridlines>
         <c:title>
+          <c:tx>
+            <c:rich>
+              <a:bodyPr rot="-5400000" spcFirstLastPara="1" vertOverflow="ellipsis" vert="horz" wrap="square" anchor="ctr" anchorCtr="1"/>
+              <a:lstStyle/>
+              <a:p>
+                <a:pPr>
+                  <a:defRPr sz="1050" b="0" i="0" u="none" strike="noStrike" kern="1200" baseline="0">
+                    <a:solidFill>
+                      <a:schemeClr val="tx1">
+                        <a:lumMod val="65000"/>
+                        <a:lumOff val="35000"/>
+                      </a:schemeClr>
+                    </a:solidFill>
+                    <a:latin typeface="+mn-lt"/>
+                    <a:ea typeface="+mn-ea"/>
+                    <a:cs typeface="+mn-cs"/>
+                  </a:defRPr>
+                </a:pPr>
+                <a:r>
+                  <a:rPr lang="es-MX" sz="1050"/>
+                  <a:t>Iterations</a:t>
+                </a:r>
+              </a:p>
+            </c:rich>
+          </c:tx>
           <c:overlay val="0"/>
           <c:spPr>
             <a:noFill/>
@@ -555,7 +647,7 @@
             <a:lstStyle/>
             <a:p>
               <a:pPr>
-                <a:defRPr sz="1000" b="0" i="0" u="none" strike="noStrike" kern="1200" baseline="0">
+                <a:defRPr sz="1050" b="0" i="0" u="none" strike="noStrike" kern="1200" baseline="0">
                   <a:solidFill>
                     <a:schemeClr val="tx1">
                       <a:lumMod val="65000"/>
@@ -573,18 +665,14 @@
         </c:title>
         <c:numFmt formatCode="General" sourceLinked="1"/>
         <c:majorTickMark val="none"/>
-        <c:minorTickMark val="none"/>
+        <c:minorTickMark val="in"/>
         <c:tickLblPos val="nextTo"/>
         <c:spPr>
           <a:noFill/>
-          <a:ln w="9525" cap="flat" cmpd="sng" algn="ctr">
+          <a:ln>
             <a:solidFill>
-              <a:schemeClr val="tx1">
-                <a:lumMod val="25000"/>
-                <a:lumOff val="75000"/>
-              </a:schemeClr>
+              <a:srgbClr val="002060"/>
             </a:solidFill>
-            <a:round/>
           </a:ln>
           <a:effectLst/>
         </c:spPr>
@@ -608,19 +696,43 @@
             <a:endParaRPr lang="es-MX"/>
           </a:p>
         </c:txPr>
-        <c:crossAx val="72288496"/>
+        <c:crossAx val="664736272"/>
         <c:crosses val="autoZero"/>
-        <c:crossBetween val="midCat"/>
+        <c:crossBetween val="between"/>
       </c:valAx>
       <c:valAx>
-        <c:axId val="127099448"/>
+        <c:axId val="664746512"/>
         <c:scaling>
           <c:orientation val="minMax"/>
-          <c:min val="100"/>
         </c:scaling>
         <c:delete val="0"/>
         <c:axPos val="r"/>
         <c:title>
+          <c:tx>
+            <c:rich>
+              <a:bodyPr rot="-5400000" spcFirstLastPara="1" vertOverflow="ellipsis" vert="horz" wrap="square" anchor="ctr" anchorCtr="1"/>
+              <a:lstStyle/>
+              <a:p>
+                <a:pPr>
+                  <a:defRPr sz="1050" b="0" i="0" u="none" strike="noStrike" kern="1200" baseline="0">
+                    <a:solidFill>
+                      <a:schemeClr val="tx1">
+                        <a:lumMod val="65000"/>
+                        <a:lumOff val="35000"/>
+                      </a:schemeClr>
+                    </a:solidFill>
+                    <a:latin typeface="+mn-lt"/>
+                    <a:ea typeface="+mn-ea"/>
+                    <a:cs typeface="+mn-cs"/>
+                  </a:defRPr>
+                </a:pPr>
+                <a:r>
+                  <a:rPr lang="es-MX" sz="1050"/>
+                  <a:t>Total execution time [s]</a:t>
+                </a:r>
+              </a:p>
+            </c:rich>
+          </c:tx>
           <c:overlay val="0"/>
           <c:spPr>
             <a:noFill/>
@@ -634,7 +746,7 @@
             <a:lstStyle/>
             <a:p>
               <a:pPr>
-                <a:defRPr sz="1000" b="0" i="0" u="none" strike="noStrike" kern="1200" baseline="0">
+                <a:defRPr sz="1050" b="0" i="0" u="none" strike="noStrike" kern="1200" baseline="0">
                   <a:solidFill>
                     <a:schemeClr val="tx1">
                       <a:lumMod val="65000"/>
@@ -652,18 +764,14 @@
         </c:title>
         <c:numFmt formatCode="General" sourceLinked="1"/>
         <c:majorTickMark val="out"/>
-        <c:minorTickMark val="none"/>
+        <c:minorTickMark val="in"/>
         <c:tickLblPos val="nextTo"/>
         <c:spPr>
           <a:noFill/>
-          <a:ln w="9525" cap="flat" cmpd="sng" algn="ctr">
+          <a:ln>
             <a:solidFill>
-              <a:schemeClr val="tx1">
-                <a:lumMod val="25000"/>
-                <a:lumOff val="75000"/>
-              </a:schemeClr>
+              <a:srgbClr val="A2111C"/>
             </a:solidFill>
-            <a:round/>
           </a:ln>
           <a:effectLst/>
         </c:spPr>
@@ -687,22 +795,21 @@
             <a:endParaRPr lang="es-MX"/>
           </a:p>
         </c:txPr>
-        <c:crossAx val="127098168"/>
+        <c:crossAx val="664747152"/>
         <c:crosses val="max"/>
         <c:crossBetween val="midCat"/>
       </c:valAx>
       <c:valAx>
-        <c:axId val="127098168"/>
+        <c:axId val="664747152"/>
         <c:scaling>
           <c:orientation val="minMax"/>
         </c:scaling>
         <c:delete val="1"/>
         <c:axPos val="b"/>
-        <c:numFmt formatCode="General" sourceLinked="1"/>
         <c:majorTickMark val="out"/>
         <c:minorTickMark val="none"/>
         <c:tickLblPos val="nextTo"/>
-        <c:crossAx val="127099448"/>
+        <c:crossAx val="664746512"/>
         <c:crosses val="autoZero"/>
         <c:crossBetween val="midCat"/>
       </c:valAx>
@@ -715,17 +822,7 @@
       </c:spPr>
     </c:plotArea>
     <c:legend>
-      <c:legendPos val="r"/>
-      <c:layout>
-        <c:manualLayout>
-          <c:xMode val="edge"/>
-          <c:yMode val="edge"/>
-          <c:x val="0.13599730354187081"/>
-          <c:y val="0.67488596271687262"/>
-          <c:w val="0.15867206508269394"/>
-          <c:h val="0.11535002381663614"/>
-        </c:manualLayout>
-      </c:layout>
+      <c:legendPos val="b"/>
       <c:overlay val="0"/>
       <c:spPr>
         <a:noFill/>
@@ -739,7 +836,7 @@
         <a:lstStyle/>
         <a:p>
           <a:pPr>
-            <a:defRPr sz="900" b="0" i="0" u="none" strike="noStrike" kern="1200" baseline="0">
+            <a:defRPr sz="1000" b="0" i="0" u="none" strike="noStrike" kern="1200" baseline="0">
               <a:solidFill>
                 <a:schemeClr val="tx1">
                   <a:lumMod val="65000"/>
@@ -767,11 +864,7 @@
     <c:showDLblsOverMax val="0"/>
   </c:chart>
   <c:spPr>
-    <a:solidFill>
-      <a:schemeClr val="bg1">
-        <a:lumMod val="95000"/>
-      </a:schemeClr>
-    </a:solidFill>
+    <a:noFill/>
     <a:ln>
       <a:noFill/>
     </a:ln>
@@ -834,7 +927,7 @@
 </file>
 
 <file path=ppt/charts/style1.xml><?xml version="1.0" encoding="utf-8"?>
-<cs:chartStyle xmlns:cs="http://schemas.microsoft.com/office/drawing/2012/chartStyle" xmlns:a="http://schemas.openxmlformats.org/drawingml/2006/main" id="240">
+<cs:chartStyle xmlns:cs="http://schemas.microsoft.com/office/drawing/2012/chartStyle" xmlns:a="http://schemas.openxmlformats.org/drawingml/2006/main" id="201">
   <cs:axisTitle>
     <cs:lnRef idx="0"/>
     <cs:fillRef idx="0"/>
@@ -861,8 +954,8 @@
       <a:ln w="9525" cap="flat" cmpd="sng" algn="ctr">
         <a:solidFill>
           <a:schemeClr val="tx1">
-            <a:lumMod val="25000"/>
-            <a:lumOff val="75000"/>
+            <a:lumMod val="15000"/>
+            <a:lumOff val="85000"/>
           </a:schemeClr>
         </a:solidFill>
         <a:round/>
@@ -963,7 +1056,7 @@
       <a:schemeClr val="tx1"/>
     </cs:fontRef>
     <cs:spPr>
-      <a:ln w="19050" cap="rnd">
+      <a:ln w="28575" cap="rnd">
         <a:solidFill>
           <a:schemeClr val="phClr"/>
         </a:solidFill>
@@ -995,10 +1088,10 @@
     <cs:lnRef idx="0">
       <cs:styleClr val="auto"/>
     </cs:lnRef>
-    <cs:fillRef idx="0"/>
+    <cs:fillRef idx="1"/>
     <cs:effectRef idx="0"/>
     <cs:fontRef idx="minor">
-      <a:schemeClr val="dk1"/>
+      <a:schemeClr val="tx1"/>
     </cs:fontRef>
     <cs:spPr>
       <a:ln w="9525" cap="rnd">
@@ -1038,23 +1131,22 @@
     <cs:fillRef idx="0"/>
     <cs:effectRef idx="0"/>
     <cs:fontRef idx="minor">
-      <a:schemeClr val="tx1"/>
+      <a:schemeClr val="dk1"/>
     </cs:fontRef>
     <cs:spPr>
       <a:solidFill>
         <a:schemeClr val="dk1">
-          <a:lumMod val="75000"/>
-          <a:lumOff val="25000"/>
+          <a:lumMod val="65000"/>
+          <a:lumOff val="35000"/>
         </a:schemeClr>
       </a:solidFill>
-      <a:ln w="9525" cap="flat" cmpd="sng" algn="ctr">
+      <a:ln w="9525">
         <a:solidFill>
           <a:schemeClr val="tx1">
             <a:lumMod val="65000"/>
             <a:lumOff val="35000"/>
           </a:schemeClr>
         </a:solidFill>
-        <a:round/>
       </a:ln>
     </cs:spPr>
   </cs:downBar>
@@ -1159,8 +1251,8 @@
       <a:ln w="9525" cap="flat" cmpd="sng" algn="ctr">
         <a:solidFill>
           <a:schemeClr val="tx1">
-            <a:lumMod val="50000"/>
-            <a:lumOff val="50000"/>
+            <a:lumMod val="75000"/>
+            <a:lumOff val="25000"/>
           </a:schemeClr>
         </a:solidFill>
         <a:round/>
@@ -1292,20 +1384,19 @@
     <cs:fillRef idx="0"/>
     <cs:effectRef idx="0"/>
     <cs:fontRef idx="minor">
-      <a:schemeClr val="tx1"/>
+      <a:schemeClr val="dk1"/>
     </cs:fontRef>
     <cs:spPr>
       <a:solidFill>
         <a:schemeClr val="lt1"/>
       </a:solidFill>
-      <a:ln w="9525" cap="flat" cmpd="sng" algn="ctr">
+      <a:ln w="9525">
         <a:solidFill>
           <a:schemeClr val="tx1">
-            <a:lumMod val="65000"/>
-            <a:lumOff val="35000"/>
+            <a:lumMod val="15000"/>
+            <a:lumOff val="85000"/>
           </a:schemeClr>
         </a:solidFill>
-        <a:round/>
       </a:ln>
     </cs:spPr>
   </cs:upBar>
@@ -1319,17 +1410,6 @@
         <a:lumOff val="35000"/>
       </a:schemeClr>
     </cs:fontRef>
-    <cs:spPr>
-      <a:ln w="9525" cap="flat" cmpd="sng" algn="ctr">
-        <a:solidFill>
-          <a:schemeClr val="tx1">
-            <a:lumMod val="25000"/>
-            <a:lumOff val="75000"/>
-          </a:schemeClr>
-        </a:solidFill>
-        <a:round/>
-      </a:ln>
-    </cs:spPr>
     <cs:defRPr sz="900" kern="1200"/>
   </cs:valueAxis>
   <cs:wall>
@@ -4009,7 +4089,7 @@
   <dgm:whole/>
   <dgm:extLst>
     <a:ext uri="http://schemas.microsoft.com/office/drawing/2008/diagram">
-      <dsp:dataModelExt xmlns:dsp="http://schemas.microsoft.com/office/drawing/2008/diagram" relId="rId7" minVer="http://schemas.openxmlformats.org/drawingml/2006/diagram"/>
+      <dsp:dataModelExt xmlns:dsp="http://schemas.microsoft.com/office/drawing/2008/diagram" relId="rId6" minVer="http://schemas.openxmlformats.org/drawingml/2006/diagram"/>
     </a:ext>
   </dgm:extLst>
 </dgm:dataModel>
@@ -4355,7 +4435,7 @@
   <dgm:whole/>
   <dgm:extLst>
     <a:ext uri="http://schemas.microsoft.com/office/drawing/2008/diagram">
-      <dsp:dataModelExt xmlns:dsp="http://schemas.microsoft.com/office/drawing/2008/diagram" relId="rId12" minVer="http://schemas.openxmlformats.org/drawingml/2006/diagram"/>
+      <dsp:dataModelExt xmlns:dsp="http://schemas.microsoft.com/office/drawing/2008/diagram" relId="rId11" minVer="http://schemas.openxmlformats.org/drawingml/2006/diagram"/>
     </a:ext>
   </dgm:extLst>
 </dgm:dataModel>
@@ -4984,7 +5064,7 @@
   <dgm:whole/>
   <dgm:extLst>
     <a:ext uri="http://schemas.microsoft.com/office/drawing/2008/diagram">
-      <dsp:dataModelExt xmlns:dsp="http://schemas.microsoft.com/office/drawing/2008/diagram" relId="rId17" minVer="http://schemas.openxmlformats.org/drawingml/2006/diagram"/>
+      <dsp:dataModelExt xmlns:dsp="http://schemas.microsoft.com/office/drawing/2008/diagram" relId="rId16" minVer="http://schemas.openxmlformats.org/drawingml/2006/diagram"/>
     </a:ext>
   </dgm:extLst>
 </dgm:dataModel>
@@ -5005,7 +5085,7 @@
       </dsp:nvSpPr>
       <dsp:spPr>
         <a:xfrm>
-          <a:off x="3581159" y="1656"/>
+          <a:off x="3581158" y="1656"/>
           <a:ext cx="1679410" cy="1091616"/>
         </a:xfrm>
         <a:prstGeom prst="roundRect">
@@ -5094,7 +5174,7 @@
         </a:p>
       </dsp:txBody>
       <dsp:txXfrm>
-        <a:off x="3634447" y="54944"/>
+        <a:off x="3634446" y="54944"/>
         <a:ext cx="1572834" cy="985040"/>
       </dsp:txXfrm>
     </dsp:sp>
@@ -5105,7 +5185,7 @@
       </dsp:nvSpPr>
       <dsp:spPr>
         <a:xfrm>
-          <a:off x="2239845" y="547464"/>
+          <a:off x="2239844" y="547464"/>
           <a:ext cx="4362038" cy="4362038"/>
         </a:xfrm>
         <a:custGeom>
@@ -5119,7 +5199,7 @@
               <a:moveTo>
                 <a:pt x="3245729" y="277539"/>
               </a:moveTo>
-              <a:arcTo wR="2181019" hR="2181019" stAng="17953227" swAng="1211870"/>
+              <a:arcTo wR="2181019" hR="2181019" stAng="17953226" swAng="1211870"/>
             </a:path>
           </a:pathLst>
         </a:custGeom>
@@ -5235,7 +5315,7 @@
       </dsp:nvSpPr>
       <dsp:spPr>
         <a:xfrm>
-          <a:off x="2239845" y="547464"/>
+          <a:off x="2239844" y="547464"/>
           <a:ext cx="4362038" cy="4362038"/>
         </a:xfrm>
         <a:custGeom>
@@ -5288,7 +5368,7 @@
       </dsp:nvSpPr>
       <dsp:spPr>
         <a:xfrm>
-          <a:off x="4863130" y="3947156"/>
+          <a:off x="4863129" y="3947156"/>
           <a:ext cx="1679410" cy="1091616"/>
         </a:xfrm>
         <a:prstGeom prst="roundRect">
@@ -5374,7 +5454,7 @@
         </a:p>
       </dsp:txBody>
       <dsp:txXfrm>
-        <a:off x="4916418" y="4000444"/>
+        <a:off x="4916417" y="4000444"/>
         <a:ext cx="1572834" cy="985040"/>
       </dsp:txXfrm>
     </dsp:sp>
@@ -5385,7 +5465,7 @@
       </dsp:nvSpPr>
       <dsp:spPr>
         <a:xfrm>
-          <a:off x="2239845" y="547464"/>
+          <a:off x="2239844" y="547464"/>
           <a:ext cx="4362038" cy="4362038"/>
         </a:xfrm>
         <a:custGeom>
@@ -5399,7 +5479,7 @@
               <a:moveTo>
                 <a:pt x="2448789" y="4345538"/>
               </a:moveTo>
-              <a:arcTo wR="2181019" hR="2181019" stAng="4976870" swAng="846261"/>
+              <a:arcTo wR="2181019" hR="2181019" stAng="4976869" swAng="846261"/>
             </a:path>
           </a:pathLst>
         </a:custGeom>
@@ -5541,7 +5621,7 @@
       </dsp:nvSpPr>
       <dsp:spPr>
         <a:xfrm>
-          <a:off x="2239845" y="547464"/>
+          <a:off x="2239844" y="547464"/>
           <a:ext cx="4362038" cy="4362038"/>
         </a:xfrm>
         <a:custGeom>
@@ -5691,7 +5771,7 @@
       </dsp:nvSpPr>
       <dsp:spPr>
         <a:xfrm>
-          <a:off x="2239845" y="547464"/>
+          <a:off x="2239844" y="547464"/>
           <a:ext cx="4362038" cy="4362038"/>
         </a:xfrm>
         <a:custGeom>
@@ -11253,7 +11333,7 @@
               <a:pPr>
                 <a:defRPr/>
               </a:pPr>
-              <a:t>12/10/2019</a:t>
+              <a:t>13/10/2019</a:t>
             </a:fld>
             <a:endParaRPr lang="pt-BR"/>
           </a:p>
@@ -11466,7 +11546,7 @@
               <a:pPr>
                 <a:defRPr/>
               </a:pPr>
-              <a:t>12/10/2019</a:t>
+              <a:t>13/10/2019</a:t>
             </a:fld>
             <a:endParaRPr lang="pt-BR"/>
           </a:p>
@@ -11689,7 +11769,7 @@
               <a:pPr>
                 <a:defRPr/>
               </a:pPr>
-              <a:t>12/10/2019</a:t>
+              <a:t>13/10/2019</a:t>
             </a:fld>
             <a:endParaRPr lang="pt-BR"/>
           </a:p>
@@ -11902,7 +11982,7 @@
               <a:pPr>
                 <a:defRPr/>
               </a:pPr>
-              <a:t>12/10/2019</a:t>
+              <a:t>13/10/2019</a:t>
             </a:fld>
             <a:endParaRPr lang="pt-BR"/>
           </a:p>
@@ -12192,7 +12272,7 @@
               <a:pPr>
                 <a:defRPr/>
               </a:pPr>
-              <a:t>12/10/2019</a:t>
+              <a:t>13/10/2019</a:t>
             </a:fld>
             <a:endParaRPr lang="pt-BR"/>
           </a:p>
@@ -12522,7 +12602,7 @@
               <a:pPr>
                 <a:defRPr/>
               </a:pPr>
-              <a:t>12/10/2019</a:t>
+              <a:t>13/10/2019</a:t>
             </a:fld>
             <a:endParaRPr lang="pt-BR"/>
           </a:p>
@@ -12991,7 +13071,7 @@
               <a:pPr>
                 <a:defRPr/>
               </a:pPr>
-              <a:t>12/10/2019</a:t>
+              <a:t>13/10/2019</a:t>
             </a:fld>
             <a:endParaRPr lang="pt-BR"/>
           </a:p>
@@ -13153,7 +13233,7 @@
               <a:pPr>
                 <a:defRPr/>
               </a:pPr>
-              <a:t>12/10/2019</a:t>
+              <a:t>13/10/2019</a:t>
             </a:fld>
             <a:endParaRPr lang="pt-BR"/>
           </a:p>
@@ -13293,7 +13373,7 @@
               <a:pPr>
                 <a:defRPr/>
               </a:pPr>
-              <a:t>12/10/2019</a:t>
+              <a:t>13/10/2019</a:t>
             </a:fld>
             <a:endParaRPr lang="pt-BR"/>
           </a:p>
@@ -13613,7 +13693,7 @@
               <a:pPr>
                 <a:defRPr/>
               </a:pPr>
-              <a:t>12/10/2019</a:t>
+              <a:t>13/10/2019</a:t>
             </a:fld>
             <a:endParaRPr lang="pt-BR"/>
           </a:p>
@@ -13913,7 +13993,7 @@
               <a:pPr>
                 <a:defRPr/>
               </a:pPr>
-              <a:t>12/10/2019</a:t>
+              <a:t>13/10/2019</a:t>
             </a:fld>
             <a:endParaRPr lang="pt-BR"/>
           </a:p>
@@ -14238,7 +14318,7 @@
               <a:pPr>
                 <a:defRPr/>
               </a:pPr>
-              <a:t>12/10/2019</a:t>
+              <a:t>13/10/2019</a:t>
             </a:fld>
             <a:endParaRPr lang="pt-BR"/>
           </a:p>
@@ -15464,8 +15544,8 @@
         </p:nvSpPr>
         <p:spPr>
           <a:xfrm>
-            <a:off x="11352626" y="19639983"/>
-            <a:ext cx="14856613" cy="954107"/>
+            <a:off x="10338739" y="19509400"/>
+            <a:ext cx="11000382" cy="1200329"/>
           </a:xfrm>
           <a:prstGeom prst="rect">
             <a:avLst/>
@@ -15477,49 +15557,549 @@
           </a:bodyPr>
           <a:lstStyle/>
           <a:p>
-            <a:pPr marL="182563" indent="-182563" algn="just">
-              <a:buFont typeface="+mj-lt"/>
-              <a:buAutoNum type="arabicPeriod"/>
-            </a:pPr>
-            <a:r>
-              <a:rPr lang="en-IN" sz="1400" dirty="0" err="1">
+            <a:pPr algn="just"/>
+            <a:r>
+              <a:rPr lang="es-MX" sz="1200" b="1" dirty="0">
+                <a:solidFill>
+                  <a:srgbClr val="002060"/>
+                </a:solidFill>
                 <a:latin typeface="+mj-lt"/>
               </a:rPr>
-              <a:t>Rererence</a:t>
-            </a:r>
-            <a:r>
-              <a:rPr lang="en-IN" sz="1400" dirty="0">
+              <a:t>[1] Gray, J., Moore, K., &amp; </a:t>
+            </a:r>
+            <a:r>
+              <a:rPr lang="es-MX" sz="1200" b="1" dirty="0" err="1">
+                <a:solidFill>
+                  <a:srgbClr val="002060"/>
+                </a:solidFill>
                 <a:latin typeface="+mj-lt"/>
               </a:rPr>
-              <a:t> 1</a:t>
-            </a:r>
+              <a:t>Naylor</a:t>
+            </a:r>
+            <a:r>
+              <a:rPr lang="es-MX" sz="1200" b="1" dirty="0">
+                <a:solidFill>
+                  <a:srgbClr val="002060"/>
+                </a:solidFill>
+                <a:latin typeface="+mj-lt"/>
+              </a:rPr>
+              <a:t>, B. (2010, </a:t>
+            </a:r>
+            <a:r>
+              <a:rPr lang="es-MX" sz="1200" b="1" dirty="0" err="1">
+                <a:solidFill>
+                  <a:srgbClr val="002060"/>
+                </a:solidFill>
+                <a:latin typeface="+mj-lt"/>
+              </a:rPr>
+              <a:t>September</a:t>
+            </a:r>
+            <a:r>
+              <a:rPr lang="es-MX" sz="1200" b="1" dirty="0">
+                <a:solidFill>
+                  <a:srgbClr val="002060"/>
+                </a:solidFill>
+                <a:latin typeface="+mj-lt"/>
+              </a:rPr>
+              <a:t>). </a:t>
+            </a:r>
+            <a:r>
+              <a:rPr lang="es-MX" sz="1200" b="1" dirty="0" err="1">
+                <a:solidFill>
+                  <a:srgbClr val="002060"/>
+                </a:solidFill>
+                <a:latin typeface="+mj-lt"/>
+              </a:rPr>
+              <a:t>OpenMDAO</a:t>
+            </a:r>
+            <a:r>
+              <a:rPr lang="es-MX" sz="1200" b="1" dirty="0">
+                <a:solidFill>
+                  <a:srgbClr val="002060"/>
+                </a:solidFill>
+                <a:latin typeface="+mj-lt"/>
+              </a:rPr>
+              <a:t>: </a:t>
+            </a:r>
+            <a:r>
+              <a:rPr lang="es-MX" sz="1200" b="1" dirty="0" err="1">
+                <a:solidFill>
+                  <a:srgbClr val="002060"/>
+                </a:solidFill>
+                <a:latin typeface="+mj-lt"/>
+              </a:rPr>
+              <a:t>An</a:t>
+            </a:r>
+            <a:r>
+              <a:rPr lang="es-MX" sz="1200" b="1" dirty="0">
+                <a:solidFill>
+                  <a:srgbClr val="002060"/>
+                </a:solidFill>
+                <a:latin typeface="+mj-lt"/>
+              </a:rPr>
+              <a:t> open </a:t>
+            </a:r>
+            <a:r>
+              <a:rPr lang="es-MX" sz="1200" b="1" dirty="0" err="1">
+                <a:solidFill>
+                  <a:srgbClr val="002060"/>
+                </a:solidFill>
+                <a:latin typeface="+mj-lt"/>
+              </a:rPr>
+              <a:t>source</a:t>
+            </a:r>
+            <a:r>
+              <a:rPr lang="es-MX" sz="1200" b="1" dirty="0">
+                <a:solidFill>
+                  <a:srgbClr val="002060"/>
+                </a:solidFill>
+                <a:latin typeface="+mj-lt"/>
+              </a:rPr>
+              <a:t> </a:t>
+            </a:r>
+            <a:r>
+              <a:rPr lang="es-MX" sz="1200" b="1" dirty="0" err="1">
+                <a:solidFill>
+                  <a:srgbClr val="002060"/>
+                </a:solidFill>
+                <a:latin typeface="+mj-lt"/>
+              </a:rPr>
+              <a:t>framework</a:t>
+            </a:r>
+            <a:r>
+              <a:rPr lang="es-MX" sz="1200" b="1" dirty="0">
+                <a:solidFill>
+                  <a:srgbClr val="002060"/>
+                </a:solidFill>
+                <a:latin typeface="+mj-lt"/>
+              </a:rPr>
+              <a:t> </a:t>
+            </a:r>
+            <a:r>
+              <a:rPr lang="es-MX" sz="1200" b="1" dirty="0" err="1">
+                <a:solidFill>
+                  <a:srgbClr val="002060"/>
+                </a:solidFill>
+                <a:latin typeface="+mj-lt"/>
+              </a:rPr>
+              <a:t>for</a:t>
+            </a:r>
+            <a:r>
+              <a:rPr lang="es-MX" sz="1200" b="1" dirty="0">
+                <a:solidFill>
+                  <a:srgbClr val="002060"/>
+                </a:solidFill>
+                <a:latin typeface="+mj-lt"/>
+              </a:rPr>
+              <a:t> </a:t>
+            </a:r>
+            <a:r>
+              <a:rPr lang="es-MX" sz="1200" b="1" dirty="0" err="1">
+                <a:solidFill>
+                  <a:srgbClr val="002060"/>
+                </a:solidFill>
+                <a:latin typeface="+mj-lt"/>
+              </a:rPr>
+              <a:t>multidisciplinary</a:t>
+            </a:r>
+            <a:r>
+              <a:rPr lang="es-MX" sz="1200" b="1" dirty="0">
+                <a:solidFill>
+                  <a:srgbClr val="002060"/>
+                </a:solidFill>
+                <a:latin typeface="+mj-lt"/>
+              </a:rPr>
+              <a:t> </a:t>
+            </a:r>
+            <a:r>
+              <a:rPr lang="es-MX" sz="1200" b="1" dirty="0" err="1">
+                <a:solidFill>
+                  <a:srgbClr val="002060"/>
+                </a:solidFill>
+                <a:latin typeface="+mj-lt"/>
+              </a:rPr>
+              <a:t>analysis</a:t>
+            </a:r>
+            <a:r>
+              <a:rPr lang="es-MX" sz="1200" b="1" dirty="0">
+                <a:solidFill>
+                  <a:srgbClr val="002060"/>
+                </a:solidFill>
+                <a:latin typeface="+mj-lt"/>
+              </a:rPr>
+              <a:t> and </a:t>
+            </a:r>
+            <a:r>
+              <a:rPr lang="es-MX" sz="1200" b="1" dirty="0" err="1">
+                <a:solidFill>
+                  <a:srgbClr val="002060"/>
+                </a:solidFill>
+                <a:latin typeface="+mj-lt"/>
+              </a:rPr>
+              <a:t>optimization</a:t>
+            </a:r>
+            <a:r>
+              <a:rPr lang="es-MX" sz="1200" b="1" dirty="0">
+                <a:solidFill>
+                  <a:srgbClr val="002060"/>
+                </a:solidFill>
+                <a:latin typeface="+mj-lt"/>
+              </a:rPr>
+              <a:t>. In 13th AIAA/ISSMO </a:t>
+            </a:r>
+            <a:r>
+              <a:rPr lang="es-MX" sz="1200" b="1" dirty="0" err="1">
+                <a:solidFill>
+                  <a:srgbClr val="002060"/>
+                </a:solidFill>
+                <a:latin typeface="+mj-lt"/>
+              </a:rPr>
+              <a:t>Multidisciplinary</a:t>
+            </a:r>
+            <a:r>
+              <a:rPr lang="es-MX" sz="1200" b="1" dirty="0">
+                <a:solidFill>
+                  <a:srgbClr val="002060"/>
+                </a:solidFill>
+                <a:latin typeface="+mj-lt"/>
+              </a:rPr>
+              <a:t> </a:t>
+            </a:r>
+            <a:r>
+              <a:rPr lang="es-MX" sz="1200" b="1" dirty="0" err="1">
+                <a:solidFill>
+                  <a:srgbClr val="002060"/>
+                </a:solidFill>
+                <a:latin typeface="+mj-lt"/>
+              </a:rPr>
+              <a:t>Analysis</a:t>
+            </a:r>
+            <a:r>
+              <a:rPr lang="es-MX" sz="1200" b="1" dirty="0">
+                <a:solidFill>
+                  <a:srgbClr val="002060"/>
+                </a:solidFill>
+                <a:latin typeface="+mj-lt"/>
+              </a:rPr>
+              <a:t> </a:t>
+            </a:r>
+            <a:r>
+              <a:rPr lang="es-MX" sz="1200" b="1" dirty="0" err="1">
+                <a:solidFill>
+                  <a:srgbClr val="002060"/>
+                </a:solidFill>
+                <a:latin typeface="+mj-lt"/>
+              </a:rPr>
+              <a:t>Optimization</a:t>
+            </a:r>
+            <a:r>
+              <a:rPr lang="es-MX" sz="1200" b="1" dirty="0">
+                <a:solidFill>
+                  <a:srgbClr val="002060"/>
+                </a:solidFill>
+                <a:latin typeface="+mj-lt"/>
+              </a:rPr>
+              <a:t> </a:t>
+            </a:r>
+            <a:r>
+              <a:rPr lang="es-MX" sz="1200" b="1" dirty="0" err="1">
+                <a:solidFill>
+                  <a:srgbClr val="002060"/>
+                </a:solidFill>
+                <a:latin typeface="+mj-lt"/>
+              </a:rPr>
+              <a:t>Conference</a:t>
+            </a:r>
+            <a:r>
+              <a:rPr lang="es-MX" sz="1200" b="1" dirty="0">
+                <a:solidFill>
+                  <a:srgbClr val="002060"/>
+                </a:solidFill>
+                <a:latin typeface="+mj-lt"/>
+              </a:rPr>
+              <a:t> (p. 9101).</a:t>
+            </a:r>
+            <a:endParaRPr lang="en-US" sz="1200" b="1" dirty="0">
+              <a:solidFill>
+                <a:srgbClr val="002060"/>
+              </a:solidFill>
+              <a:latin typeface="+mn-lt"/>
+            </a:endParaRPr>
           </a:p>
           <a:p>
-            <a:pPr marL="182563" indent="-182563" algn="just">
-              <a:buFont typeface="+mj-lt"/>
-              <a:buAutoNum type="arabicPeriod"/>
-            </a:pPr>
-            <a:r>
-              <a:rPr lang="en-US" sz="1400" dirty="0">
-                <a:latin typeface="+mj-lt"/>
+            <a:r>
+              <a:rPr lang="en-GB" sz="1200" b="1" dirty="0">
+                <a:solidFill>
+                  <a:srgbClr val="002060"/>
+                </a:solidFill>
+                <a:latin typeface="+mn-lt"/>
               </a:rPr>
-              <a:t>Reference 2</a:t>
-            </a:r>
+              <a:t>[2] </a:t>
+            </a:r>
+            <a:r>
+              <a:rPr lang="en-GB" sz="1200" b="1" dirty="0" err="1">
+                <a:solidFill>
+                  <a:srgbClr val="002060"/>
+                </a:solidFill>
+                <a:latin typeface="+mn-lt"/>
+              </a:rPr>
+              <a:t>Peherstorfer</a:t>
+            </a:r>
+            <a:r>
+              <a:rPr lang="en-GB" sz="1200" b="1" dirty="0">
+                <a:solidFill>
+                  <a:srgbClr val="002060"/>
+                </a:solidFill>
+                <a:latin typeface="+mn-lt"/>
+              </a:rPr>
+              <a:t>, B., Willcox, K., &amp; </a:t>
+            </a:r>
+            <a:r>
+              <a:rPr lang="en-GB" sz="1200" b="1" dirty="0" err="1">
+                <a:solidFill>
+                  <a:srgbClr val="002060"/>
+                </a:solidFill>
+                <a:latin typeface="+mn-lt"/>
+              </a:rPr>
+              <a:t>Gunzburger</a:t>
+            </a:r>
+            <a:r>
+              <a:rPr lang="en-GB" sz="1200" b="1" dirty="0">
+                <a:solidFill>
+                  <a:srgbClr val="002060"/>
+                </a:solidFill>
+                <a:latin typeface="+mn-lt"/>
+              </a:rPr>
+              <a:t>, M. (2018). Survey of </a:t>
+            </a:r>
+            <a:r>
+              <a:rPr lang="en-GB" sz="1200" b="1" dirty="0" err="1">
+                <a:solidFill>
+                  <a:srgbClr val="002060"/>
+                </a:solidFill>
+                <a:latin typeface="+mn-lt"/>
+              </a:rPr>
+              <a:t>multifidelity</a:t>
+            </a:r>
+            <a:r>
+              <a:rPr lang="en-GB" sz="1200" b="1" dirty="0">
+                <a:solidFill>
+                  <a:srgbClr val="002060"/>
+                </a:solidFill>
+                <a:latin typeface="+mn-lt"/>
+              </a:rPr>
+              <a:t> methods in uncertainty propagation, inference, and optimization. SIAM Review, 60(3),            550-591.</a:t>
+            </a:r>
+            <a:endParaRPr lang="en-US" sz="1200" b="1" dirty="0">
+              <a:solidFill>
+                <a:srgbClr val="002060"/>
+              </a:solidFill>
+              <a:latin typeface="+mn-lt"/>
+            </a:endParaRPr>
           </a:p>
           <a:p>
-            <a:pPr marL="182563" indent="-182563" algn="just">
-              <a:buFont typeface="+mj-lt"/>
-              <a:buAutoNum type="arabicPeriod"/>
-            </a:pPr>
-            <a:r>
-              <a:rPr lang="en-US" sz="1400" dirty="0">
-                <a:latin typeface="+mj-lt"/>
+            <a:pPr algn="just"/>
+            <a:r>
+              <a:rPr lang="es-MX" sz="1200" b="1" dirty="0">
+                <a:solidFill>
+                  <a:srgbClr val="002060"/>
+                </a:solidFill>
+                <a:latin typeface="+mn-lt"/>
               </a:rPr>
-              <a:t>xxx</a:t>
-            </a:r>
+              <a:t>[3] Mas-Colomer, J. (2018). </a:t>
+            </a:r>
+            <a:r>
+              <a:rPr lang="es-MX" sz="1200" b="1" i="1" dirty="0" err="1">
+                <a:solidFill>
+                  <a:srgbClr val="002060"/>
+                </a:solidFill>
+                <a:latin typeface="+mn-lt"/>
+              </a:rPr>
+              <a:t>Aeroelastic</a:t>
+            </a:r>
+            <a:r>
+              <a:rPr lang="es-MX" sz="1200" b="1" i="1" dirty="0">
+                <a:solidFill>
+                  <a:srgbClr val="002060"/>
+                </a:solidFill>
+                <a:latin typeface="+mn-lt"/>
+              </a:rPr>
+              <a:t> </a:t>
+            </a:r>
+            <a:r>
+              <a:rPr lang="es-MX" sz="1200" b="1" i="1" dirty="0" err="1">
+                <a:solidFill>
+                  <a:srgbClr val="002060"/>
+                </a:solidFill>
+                <a:latin typeface="+mn-lt"/>
+              </a:rPr>
+              <a:t>Similarity</a:t>
+            </a:r>
+            <a:r>
+              <a:rPr lang="es-MX" sz="1200" b="1" i="1" dirty="0">
+                <a:solidFill>
+                  <a:srgbClr val="002060"/>
+                </a:solidFill>
+                <a:latin typeface="+mn-lt"/>
+              </a:rPr>
+              <a:t> </a:t>
+            </a:r>
+            <a:r>
+              <a:rPr lang="es-MX" sz="1200" b="1" i="1" dirty="0" err="1">
+                <a:solidFill>
+                  <a:srgbClr val="002060"/>
+                </a:solidFill>
+                <a:latin typeface="+mn-lt"/>
+              </a:rPr>
+              <a:t>of</a:t>
+            </a:r>
+            <a:r>
+              <a:rPr lang="es-MX" sz="1200" b="1" i="1" dirty="0">
+                <a:solidFill>
+                  <a:srgbClr val="002060"/>
+                </a:solidFill>
+                <a:latin typeface="+mn-lt"/>
+              </a:rPr>
+              <a:t> a Flight </a:t>
+            </a:r>
+            <a:r>
+              <a:rPr lang="es-MX" sz="1200" b="1" i="1" dirty="0" err="1">
+                <a:solidFill>
+                  <a:srgbClr val="002060"/>
+                </a:solidFill>
+                <a:latin typeface="+mn-lt"/>
+              </a:rPr>
+              <a:t>Demonstrator</a:t>
+            </a:r>
+            <a:r>
+              <a:rPr lang="es-MX" sz="1200" b="1" i="1" dirty="0">
+                <a:solidFill>
+                  <a:srgbClr val="002060"/>
+                </a:solidFill>
+                <a:latin typeface="+mn-lt"/>
+              </a:rPr>
+              <a:t> </a:t>
+            </a:r>
+            <a:r>
+              <a:rPr lang="es-MX" sz="1200" b="1" i="1" dirty="0" err="1">
+                <a:solidFill>
+                  <a:srgbClr val="002060"/>
+                </a:solidFill>
+                <a:latin typeface="+mn-lt"/>
+              </a:rPr>
+              <a:t>via</a:t>
+            </a:r>
+            <a:r>
+              <a:rPr lang="es-MX" sz="1200" b="1" i="1" dirty="0">
+                <a:solidFill>
+                  <a:srgbClr val="002060"/>
+                </a:solidFill>
+                <a:latin typeface="+mn-lt"/>
+              </a:rPr>
+              <a:t> </a:t>
+            </a:r>
+            <a:r>
+              <a:rPr lang="es-MX" sz="1200" b="1" i="1" dirty="0" err="1">
+                <a:solidFill>
+                  <a:srgbClr val="002060"/>
+                </a:solidFill>
+                <a:latin typeface="+mn-lt"/>
+              </a:rPr>
+              <a:t>Multidisciplinary</a:t>
+            </a:r>
+            <a:r>
+              <a:rPr lang="es-MX" sz="1200" b="1" i="1" dirty="0">
+                <a:solidFill>
+                  <a:srgbClr val="002060"/>
+                </a:solidFill>
+                <a:latin typeface="+mn-lt"/>
+              </a:rPr>
+              <a:t> </a:t>
+            </a:r>
+            <a:r>
+              <a:rPr lang="es-MX" sz="1200" b="1" i="1" dirty="0" err="1">
+                <a:solidFill>
+                  <a:srgbClr val="002060"/>
+                </a:solidFill>
+                <a:latin typeface="+mn-lt"/>
+              </a:rPr>
+              <a:t>Optimization</a:t>
+            </a:r>
+            <a:r>
+              <a:rPr lang="es-MX" sz="1200" b="1" dirty="0">
+                <a:solidFill>
+                  <a:srgbClr val="002060"/>
+                </a:solidFill>
+                <a:latin typeface="+mn-lt"/>
+              </a:rPr>
+              <a:t> (Doctoral </a:t>
+            </a:r>
+            <a:r>
+              <a:rPr lang="es-MX" sz="1200" b="1" dirty="0" err="1">
+                <a:solidFill>
+                  <a:srgbClr val="002060"/>
+                </a:solidFill>
+                <a:latin typeface="+mn-lt"/>
+              </a:rPr>
+              <a:t>dissertation</a:t>
+            </a:r>
+            <a:r>
+              <a:rPr lang="es-MX" sz="1200" b="1" dirty="0">
+                <a:solidFill>
+                  <a:srgbClr val="002060"/>
+                </a:solidFill>
+                <a:latin typeface="+mn-lt"/>
+              </a:rPr>
+              <a:t>, </a:t>
+            </a:r>
+            <a:r>
+              <a:rPr lang="es-MX" sz="1200" b="1" dirty="0" err="1">
+                <a:solidFill>
+                  <a:srgbClr val="002060"/>
+                </a:solidFill>
+                <a:latin typeface="+mn-lt"/>
+              </a:rPr>
+              <a:t>Université</a:t>
+            </a:r>
+            <a:r>
+              <a:rPr lang="es-MX" sz="1200" b="1" dirty="0">
+                <a:solidFill>
+                  <a:srgbClr val="002060"/>
+                </a:solidFill>
+                <a:latin typeface="+mn-lt"/>
+              </a:rPr>
+              <a:t> </a:t>
+            </a:r>
+            <a:r>
+              <a:rPr lang="es-MX" sz="1200" b="1" dirty="0" err="1">
+                <a:solidFill>
+                  <a:srgbClr val="002060"/>
+                </a:solidFill>
+                <a:latin typeface="+mn-lt"/>
+              </a:rPr>
+              <a:t>Fédérale</a:t>
+            </a:r>
+            <a:r>
+              <a:rPr lang="es-MX" sz="1200" b="1" dirty="0">
+                <a:solidFill>
+                  <a:srgbClr val="002060"/>
+                </a:solidFill>
+                <a:latin typeface="+mn-lt"/>
+              </a:rPr>
+              <a:t> de Toulouse).</a:t>
+            </a:r>
+            <a:endParaRPr lang="en-US" sz="1200" b="1" dirty="0">
+              <a:solidFill>
+                <a:srgbClr val="002060"/>
+              </a:solidFill>
+              <a:latin typeface="+mn-lt"/>
+            </a:endParaRPr>
           </a:p>
           <a:p>
-            <a:endParaRPr lang="en-US" sz="1400" dirty="0">
+            <a:endParaRPr lang="en-US" sz="1200" dirty="0">
+              <a:solidFill>
+                <a:srgbClr val="002060"/>
+              </a:solidFill>
               <a:latin typeface="+mj-lt"/>
             </a:endParaRPr>
           </a:p>
@@ -15598,55 +16178,6 @@
           </a:p>
         </p:txBody>
       </p:sp>
-      <p:pic>
-        <p:nvPicPr>
-          <p:cNvPr id="16" name="Picture 15">
-            <a:extLst>
-              <a:ext uri="{FF2B5EF4-FFF2-40B4-BE49-F238E27FC236}">
-                <a16:creationId xmlns:a16="http://schemas.microsoft.com/office/drawing/2014/main" id="{0055DCAB-DD88-42DD-9A9D-8E7D6A9B38A9}"/>
-              </a:ext>
-            </a:extLst>
-          </p:cNvPr>
-          <p:cNvPicPr>
-            <a:picLocks noChangeAspect="1"/>
-          </p:cNvPicPr>
-          <p:nvPr/>
-        </p:nvPicPr>
-        <p:blipFill>
-          <a:blip r:embed="rId2" cstate="print">
-            <a:extLst>
-              <a:ext uri="{28A0092B-C50C-407E-A947-70E740481C1C}">
-                <a14:useLocalDpi xmlns:a14="http://schemas.microsoft.com/office/drawing/2010/main" val="0"/>
-              </a:ext>
-            </a:extLst>
-          </a:blip>
-          <a:stretch>
-            <a:fillRect/>
-          </a:stretch>
-        </p:blipFill>
-        <p:spPr>
-          <a:xfrm>
-            <a:off x="18691050" y="28510863"/>
-            <a:ext cx="2195863" cy="1600438"/>
-          </a:xfrm>
-          <a:prstGeom prst="roundRect">
-            <a:avLst>
-              <a:gd name="adj" fmla="val 8594"/>
-            </a:avLst>
-          </a:prstGeom>
-          <a:solidFill>
-            <a:srgbClr val="FFFFFF">
-              <a:shade val="85000"/>
-            </a:srgbClr>
-          </a:solidFill>
-          <a:ln>
-            <a:noFill/>
-          </a:ln>
-          <a:effectLst>
-            <a:reflection blurRad="12700" stA="38000" endPos="28000" dist="5000" dir="5400000" sy="-100000" algn="bl" rotWithShape="0"/>
-          </a:effectLst>
-        </p:spPr>
-      </p:pic>
       <p:sp>
         <p:nvSpPr>
           <p:cNvPr id="12" name="Rectangle: Rounded Corners 43">
@@ -15905,9 +16436,9 @@
         <p:grpSpPr>
           <a:xfrm>
             <a:off x="-679102" y="19886165"/>
-            <a:ext cx="15625370" cy="10305855"/>
+            <a:ext cx="19107407" cy="10187609"/>
             <a:chOff x="1152264" y="19938300"/>
-            <a:chExt cx="15591074" cy="10305855"/>
+            <a:chExt cx="19065469" cy="10187609"/>
           </a:xfrm>
         </p:grpSpPr>
         <p:grpSp>
@@ -16030,7 +16561,7 @@
               </p:xfrm>
               <a:graphic>
                 <a:graphicData uri="http://schemas.openxmlformats.org/drawingml/2006/diagram">
-                  <dgm:relIds xmlns:dgm="http://schemas.openxmlformats.org/drawingml/2006/diagram" xmlns:r="http://schemas.openxmlformats.org/officeDocument/2006/relationships" r:dm="rId3" r:lo="rId4" r:qs="rId5" r:cs="rId6"/>
+                  <dgm:relIds xmlns:dgm="http://schemas.openxmlformats.org/drawingml/2006/diagram" xmlns:r="http://schemas.openxmlformats.org/officeDocument/2006/relationships" r:dm="rId2" r:lo="rId3" r:qs="rId4" r:cs="rId5"/>
                 </a:graphicData>
               </a:graphic>
             </p:graphicFrame>
@@ -16131,7 +16662,7 @@
               </p:xfrm>
               <a:graphic>
                 <a:graphicData uri="http://schemas.openxmlformats.org/drawingml/2006/diagram">
-                  <dgm:relIds xmlns:dgm="http://schemas.openxmlformats.org/drawingml/2006/diagram" xmlns:r="http://schemas.openxmlformats.org/officeDocument/2006/relationships" r:dm="rId8" r:lo="rId9" r:qs="rId10" r:cs="rId11"/>
+                  <dgm:relIds xmlns:dgm="http://schemas.openxmlformats.org/drawingml/2006/diagram" xmlns:r="http://schemas.openxmlformats.org/officeDocument/2006/relationships" r:dm="rId7" r:lo="rId8" r:qs="rId9" r:cs="rId10"/>
                 </a:graphicData>
               </a:graphic>
             </p:graphicFrame>
@@ -16534,8 +17065,8 @@
           </p:nvSpPr>
           <p:spPr>
             <a:xfrm>
-              <a:off x="3353345" y="29659380"/>
-              <a:ext cx="7704856" cy="584775"/>
+              <a:off x="7898508" y="29664244"/>
+              <a:ext cx="12319225" cy="461665"/>
             </a:xfrm>
             <a:prstGeom prst="rect">
               <a:avLst/>
@@ -16549,14 +17080,106 @@
             <a:lstStyle/>
             <a:p>
               <a:r>
-                <a:rPr lang="es-MX" sz="3200" dirty="0"/>
-                <a:t>Fig. X MDAO </a:t>
+                <a:rPr lang="es-MX" sz="2400" b="1" dirty="0">
+                  <a:solidFill>
+                    <a:srgbClr val="002060"/>
+                  </a:solidFill>
+                </a:rPr>
+                <a:t>Fig. 1 </a:t>
               </a:r>
               <a:r>
-                <a:rPr lang="es-MX" sz="3200" dirty="0" err="1"/>
+                <a:rPr lang="es-MX" sz="2400" dirty="0">
+                  <a:solidFill>
+                    <a:srgbClr val="002060"/>
+                  </a:solidFill>
+                </a:rPr>
+                <a:t>MDAO </a:t>
+              </a:r>
+              <a:r>
+                <a:rPr lang="es-MX" sz="2400" dirty="0" err="1">
+                  <a:solidFill>
+                    <a:srgbClr val="002060"/>
+                  </a:solidFill>
+                </a:rPr>
                 <a:t>Diagram</a:t>
               </a:r>
-              <a:endParaRPr lang="es-MX" sz="3200" dirty="0"/>
+              <a:r>
+                <a:rPr lang="es-MX" sz="2400" dirty="0">
+                  <a:solidFill>
+                    <a:srgbClr val="002060"/>
+                  </a:solidFill>
+                </a:rPr>
+                <a:t> </a:t>
+              </a:r>
+              <a:r>
+                <a:rPr lang="es-MX" sz="2400" dirty="0" err="1">
+                  <a:solidFill>
+                    <a:srgbClr val="002060"/>
+                  </a:solidFill>
+                </a:rPr>
+                <a:t>for</a:t>
+              </a:r>
+              <a:r>
+                <a:rPr lang="es-MX" sz="2400" dirty="0">
+                  <a:solidFill>
+                    <a:srgbClr val="002060"/>
+                  </a:solidFill>
+                </a:rPr>
+                <a:t> </a:t>
+              </a:r>
+              <a:r>
+                <a:rPr lang="es-MX" sz="2400" dirty="0" err="1">
+                  <a:solidFill>
+                    <a:srgbClr val="002060"/>
+                  </a:solidFill>
+                </a:rPr>
+                <a:t>the</a:t>
+              </a:r>
+              <a:r>
+                <a:rPr lang="es-MX" sz="2400" dirty="0">
+                  <a:solidFill>
+                    <a:srgbClr val="002060"/>
+                  </a:solidFill>
+                </a:rPr>
+                <a:t> </a:t>
+              </a:r>
+              <a:r>
+                <a:rPr lang="es-MX" sz="2400" dirty="0" err="1">
+                  <a:solidFill>
+                    <a:srgbClr val="002060"/>
+                  </a:solidFill>
+                </a:rPr>
+                <a:t>multifidelity</a:t>
+              </a:r>
+              <a:r>
+                <a:rPr lang="es-MX" sz="2400" dirty="0">
+                  <a:solidFill>
+                    <a:srgbClr val="002060"/>
+                  </a:solidFill>
+                </a:rPr>
+                <a:t> </a:t>
+              </a:r>
+              <a:r>
+                <a:rPr lang="es-MX" sz="2400" dirty="0" err="1">
+                  <a:solidFill>
+                    <a:srgbClr val="002060"/>
+                  </a:solidFill>
+                </a:rPr>
+                <a:t>scheme</a:t>
+              </a:r>
+              <a:r>
+                <a:rPr lang="es-MX" sz="2400" dirty="0">
+                  <a:solidFill>
+                    <a:srgbClr val="002060"/>
+                  </a:solidFill>
+                </a:rPr>
+                <a:t>.</a:t>
+              </a:r>
+              <a:endParaRPr lang="es-MX" sz="2800" dirty="0">
+                <a:solidFill>
+                  <a:srgbClr val="002060"/>
+                </a:solidFill>
+              </a:endParaRPr>
             </a:p>
           </p:txBody>
         </p:sp>
@@ -16575,8 +17198,8 @@
         </p:nvSpPr>
         <p:spPr>
           <a:xfrm>
-            <a:off x="306045" y="5412557"/>
-            <a:ext cx="10032078" cy="6457614"/>
+            <a:off x="306044" y="5267296"/>
+            <a:ext cx="10107955" cy="6645304"/>
           </a:xfrm>
           <a:prstGeom prst="roundRect">
             <a:avLst/>
@@ -16611,7 +17234,55 @@
           <a:lstStyle/>
           <a:p>
             <a:pPr algn="just"/>
-            <a:endParaRPr lang="es-MX" dirty="0"/>
+            <a:r>
+              <a:rPr lang="en-GB" sz="3200" dirty="0">
+                <a:solidFill>
+                  <a:srgbClr val="002060"/>
+                </a:solidFill>
+              </a:rPr>
+              <a:t>Aerospace design requires the consideration of fluid-structure interaction from the early stages of the project. MDO libraries allow the user to couple both disciplines and optimize with respect to established bounds and variables [1].</a:t>
+            </a:r>
+          </a:p>
+          <a:p>
+            <a:pPr algn="just"/>
+            <a:r>
+              <a:rPr lang="en-GB" sz="3200" dirty="0">
+                <a:solidFill>
+                  <a:srgbClr val="002060"/>
+                </a:solidFill>
+              </a:rPr>
+              <a:t>High-Fidelity simulations offer accurate results but are often too expensive for direct design optimizations.</a:t>
+            </a:r>
+          </a:p>
+          <a:p>
+            <a:pPr algn="just"/>
+            <a:r>
+              <a:rPr lang="en-GB" sz="3200" dirty="0">
+                <a:solidFill>
+                  <a:srgbClr val="002060"/>
+                </a:solidFill>
+              </a:rPr>
+              <a:t>Low-Fidelity analysis offer reasonable approximations with low computational demands.</a:t>
+            </a:r>
+          </a:p>
+          <a:p>
+            <a:pPr algn="just"/>
+            <a:r>
+              <a:rPr lang="en-GB" sz="3200" dirty="0" err="1">
+                <a:solidFill>
+                  <a:srgbClr val="002060"/>
+                </a:solidFill>
+              </a:rPr>
+              <a:t>Multifidelity</a:t>
+            </a:r>
+            <a:r>
+              <a:rPr lang="en-GB" sz="3200" dirty="0">
+                <a:solidFill>
+                  <a:srgbClr val="002060"/>
+                </a:solidFill>
+              </a:rPr>
+              <a:t> methods leverage error and costs to speedup simulations [2]. The purpose of this work is to implement the aforementioned techniques to the development of a BWB concept aircraft.</a:t>
+            </a:r>
           </a:p>
         </p:txBody>
       </p:sp>
@@ -16661,7 +17332,7 @@
           </p:xfrm>
           <a:graphic>
             <a:graphicData uri="http://schemas.openxmlformats.org/drawingml/2006/diagram">
-              <dgm:relIds xmlns:dgm="http://schemas.openxmlformats.org/drawingml/2006/diagram" xmlns:r="http://schemas.openxmlformats.org/officeDocument/2006/relationships" r:dm="rId13" r:lo="rId14" r:qs="rId15" r:cs="rId16"/>
+              <dgm:relIds xmlns:dgm="http://schemas.openxmlformats.org/drawingml/2006/diagram" xmlns:r="http://schemas.openxmlformats.org/officeDocument/2006/relationships" r:dm="rId12" r:lo="rId13" r:qs="rId14" r:cs="rId15"/>
             </a:graphicData>
           </a:graphic>
         </p:graphicFrame>
@@ -16751,7 +17422,7 @@
               <p:nvPr/>
             </p:nvPicPr>
             <p:blipFill>
-              <a:blip r:embed="rId18"/>
+              <a:blip r:embed="rId17"/>
               <a:stretch>
                 <a:fillRect/>
               </a:stretch>
@@ -17022,7 +17693,100 @@
           <a:lstStyle/>
           <a:p>
             <a:pPr algn="just"/>
-            <a:endParaRPr lang="es-MX" dirty="0"/>
+            <a:r>
+              <a:rPr lang="en-GB" sz="3200" dirty="0">
+                <a:solidFill>
+                  <a:srgbClr val="002060"/>
+                </a:solidFill>
+              </a:rPr>
+              <a:t>The main base for the development of this project is the aerostructures python package [3], which facilitates the creation of MDA and MDAO problems in </a:t>
+            </a:r>
+            <a:r>
+              <a:rPr lang="en-GB" sz="3200" dirty="0" err="1">
+                <a:solidFill>
+                  <a:srgbClr val="002060"/>
+                </a:solidFill>
+              </a:rPr>
+              <a:t>OpenMDAO</a:t>
+            </a:r>
+            <a:r>
+              <a:rPr lang="en-GB" sz="3200" dirty="0">
+                <a:solidFill>
+                  <a:srgbClr val="002060"/>
+                </a:solidFill>
+              </a:rPr>
+              <a:t>. </a:t>
+            </a:r>
+          </a:p>
+          <a:p>
+            <a:pPr algn="just"/>
+            <a:r>
+              <a:rPr lang="en-GB" sz="3200" dirty="0">
+                <a:solidFill>
+                  <a:srgbClr val="002060"/>
+                </a:solidFill>
+              </a:rPr>
+              <a:t>Open-source structural (NASTRAN)  and fluid solvers (</a:t>
+            </a:r>
+            <a:r>
+              <a:rPr lang="en-GB" sz="3200" dirty="0" err="1">
+                <a:solidFill>
+                  <a:srgbClr val="002060"/>
+                </a:solidFill>
+              </a:rPr>
+              <a:t>Panair</a:t>
+            </a:r>
+            <a:r>
+              <a:rPr lang="en-GB" sz="3200" dirty="0">
+                <a:solidFill>
+                  <a:srgbClr val="002060"/>
+                </a:solidFill>
+              </a:rPr>
+              <a:t>, </a:t>
+            </a:r>
+            <a:r>
+              <a:rPr lang="en-GB" sz="3200" dirty="0" err="1">
+                <a:solidFill>
+                  <a:srgbClr val="002060"/>
+                </a:solidFill>
+              </a:rPr>
+              <a:t>ADFlow</a:t>
+            </a:r>
+            <a:r>
+              <a:rPr lang="en-GB" sz="3200" dirty="0">
+                <a:solidFill>
+                  <a:srgbClr val="002060"/>
+                </a:solidFill>
+              </a:rPr>
+              <a:t>) are coupled via the displacement field of the structure, and then optimized with respect to the induced drag (see Fig. 1).</a:t>
+            </a:r>
+          </a:p>
+          <a:p>
+            <a:pPr algn="just"/>
+            <a:r>
+              <a:rPr lang="en-GB" sz="3200" dirty="0">
+                <a:solidFill>
+                  <a:srgbClr val="002060"/>
+                </a:solidFill>
+              </a:rPr>
+              <a:t>At this stage, the same solver (</a:t>
+            </a:r>
+            <a:r>
+              <a:rPr lang="en-GB" sz="3200" dirty="0" err="1">
+                <a:solidFill>
+                  <a:srgbClr val="002060"/>
+                </a:solidFill>
+              </a:rPr>
+              <a:t>Panair</a:t>
+            </a:r>
+            <a:r>
+              <a:rPr lang="en-GB" sz="3200" dirty="0">
+                <a:solidFill>
+                  <a:srgbClr val="002060"/>
+                </a:solidFill>
+              </a:rPr>
+              <a:t>) is used for both fidelities and the only difference between then is the size of the fluid mesh. The philosophy behind this temporary choice is to build a progressively complex model, making sure that everything works at each step.</a:t>
+            </a:r>
           </a:p>
         </p:txBody>
       </p:sp>
@@ -17076,7 +17840,25 @@
           <a:lstStyle/>
           <a:p>
             <a:pPr algn="just"/>
-            <a:endParaRPr lang="es-MX" dirty="0"/>
+            <a:r>
+              <a:rPr lang="en-GB" sz="3200" dirty="0">
+                <a:solidFill>
+                  <a:srgbClr val="002060"/>
+                </a:solidFill>
+              </a:rPr>
+              <a:t>After successfully linking both fidelity methods via the displacement field, different iteration limits were set at the Lo-Fi levels to evaluate the evolution of the total execution time for the sample problem. Fig. 2 shows the combination of iterations required for convergence of the linked MDA as well as the time to converge. </a:t>
+            </a:r>
+          </a:p>
+          <a:p>
+            <a:pPr algn="just"/>
+            <a:r>
+              <a:rPr lang="en-GB" sz="3200" dirty="0">
+                <a:solidFill>
+                  <a:srgbClr val="002060"/>
+                </a:solidFill>
+              </a:rPr>
+              <a:t>This plot suggests that accelerating the process is possible and further experimentation will be carried out to go from an iteration-based control to a residual-based control for optimum performance. The resulting shape and stress field is similar for all cases (Fig. 3).</a:t>
+            </a:r>
           </a:p>
         </p:txBody>
       </p:sp>
@@ -17095,7 +17877,7 @@
           <p:nvPr/>
         </p:nvPicPr>
         <p:blipFill>
-          <a:blip r:embed="rId19">
+          <a:blip r:embed="rId18">
             <a:extLst>
               <a:ext uri="{28A0092B-C50C-407E-A947-70E740481C1C}">
                 <a14:useLocalDpi xmlns:a14="http://schemas.microsoft.com/office/drawing/2010/main" val="0"/>
@@ -17108,7 +17890,7 @@
         </p:blipFill>
         <p:spPr>
           <a:xfrm>
-            <a:off x="14417467" y="20469073"/>
+            <a:off x="14417467" y="20534237"/>
             <a:ext cx="6828005" cy="3898214"/>
           </a:xfrm>
           <a:prstGeom prst="roundRect">
@@ -17129,12 +17911,353 @@
           </a:effectLst>
         </p:spPr>
       </p:pic>
+      <p:pic>
+        <p:nvPicPr>
+          <p:cNvPr id="16" name="Picture 15">
+            <a:extLst>
+              <a:ext uri="{FF2B5EF4-FFF2-40B4-BE49-F238E27FC236}">
+                <a16:creationId xmlns:a16="http://schemas.microsoft.com/office/drawing/2014/main" id="{0055DCAB-DD88-42DD-9A9D-8E7D6A9B38A9}"/>
+              </a:ext>
+            </a:extLst>
+          </p:cNvPr>
+          <p:cNvPicPr>
+            <a:picLocks noChangeAspect="1"/>
+          </p:cNvPicPr>
+          <p:nvPr/>
+        </p:nvPicPr>
+        <p:blipFill>
+          <a:blip r:embed="rId19" cstate="print">
+            <a:extLst>
+              <a:ext uri="{28A0092B-C50C-407E-A947-70E740481C1C}">
+                <a14:useLocalDpi xmlns:a14="http://schemas.microsoft.com/office/drawing/2010/main" val="0"/>
+              </a:ext>
+            </a:extLst>
+          </a:blip>
+          <a:stretch>
+            <a:fillRect/>
+          </a:stretch>
+        </p:blipFill>
+        <p:spPr>
+          <a:xfrm>
+            <a:off x="235128" y="28411501"/>
+            <a:ext cx="2195863" cy="1600438"/>
+          </a:xfrm>
+          <a:prstGeom prst="roundRect">
+            <a:avLst>
+              <a:gd name="adj" fmla="val 8594"/>
+            </a:avLst>
+          </a:prstGeom>
+          <a:solidFill>
+            <a:srgbClr val="FFFFFF">
+              <a:shade val="85000"/>
+            </a:srgbClr>
+          </a:solidFill>
+          <a:ln>
+            <a:noFill/>
+          </a:ln>
+          <a:effectLst>
+            <a:reflection blurRad="12700" stA="38000" endPos="28000" dist="5000" dir="5400000" sy="-100000" algn="bl" rotWithShape="0"/>
+          </a:effectLst>
+        </p:spPr>
+      </p:pic>
+      <p:sp>
+        <p:nvSpPr>
+          <p:cNvPr id="51" name="CuadroTexto 50">
+            <a:extLst>
+              <a:ext uri="{FF2B5EF4-FFF2-40B4-BE49-F238E27FC236}">
+                <a16:creationId xmlns:a16="http://schemas.microsoft.com/office/drawing/2014/main" id="{A454B456-CB15-4E3D-948C-A13F156B5EDD}"/>
+              </a:ext>
+            </a:extLst>
+          </p:cNvPr>
+          <p:cNvSpPr txBox="1"/>
+          <p:nvPr/>
+        </p:nvSpPr>
+        <p:spPr>
+          <a:xfrm>
+            <a:off x="14442578" y="29208296"/>
+            <a:ext cx="7416824" cy="830997"/>
+          </a:xfrm>
+          <a:prstGeom prst="rect">
+            <a:avLst/>
+          </a:prstGeom>
+          <a:noFill/>
+        </p:spPr>
+        <p:txBody>
+          <a:bodyPr wrap="square" rtlCol="0">
+            <a:spAutoFit/>
+          </a:bodyPr>
+          <a:lstStyle/>
+          <a:p>
+            <a:r>
+              <a:rPr lang="es-MX" sz="2400" b="1" dirty="0">
+                <a:solidFill>
+                  <a:srgbClr val="002060"/>
+                </a:solidFill>
+              </a:rPr>
+              <a:t>Fig. 2 </a:t>
+            </a:r>
+            <a:r>
+              <a:rPr lang="es-MX" sz="2400" dirty="0">
+                <a:solidFill>
+                  <a:srgbClr val="002060"/>
+                </a:solidFill>
+              </a:rPr>
+              <a:t>Performance </a:t>
+            </a:r>
+            <a:r>
+              <a:rPr lang="es-MX" sz="2400" dirty="0" err="1">
+                <a:solidFill>
+                  <a:srgbClr val="002060"/>
+                </a:solidFill>
+              </a:rPr>
+              <a:t>plot</a:t>
+            </a:r>
+            <a:r>
+              <a:rPr lang="es-MX" sz="2400" dirty="0">
+                <a:solidFill>
+                  <a:srgbClr val="002060"/>
+                </a:solidFill>
+              </a:rPr>
+              <a:t> </a:t>
+            </a:r>
+            <a:r>
+              <a:rPr lang="es-MX" sz="2400" dirty="0" err="1">
+                <a:solidFill>
+                  <a:srgbClr val="002060"/>
+                </a:solidFill>
+              </a:rPr>
+              <a:t>of</a:t>
+            </a:r>
+            <a:r>
+              <a:rPr lang="es-MX" sz="2400" dirty="0">
+                <a:solidFill>
+                  <a:srgbClr val="002060"/>
+                </a:solidFill>
+              </a:rPr>
+              <a:t> </a:t>
+            </a:r>
+            <a:r>
+              <a:rPr lang="es-MX" sz="2400" dirty="0" err="1">
+                <a:solidFill>
+                  <a:srgbClr val="002060"/>
+                </a:solidFill>
+              </a:rPr>
+              <a:t>the</a:t>
+            </a:r>
+            <a:r>
+              <a:rPr lang="es-MX" sz="2400" dirty="0">
+                <a:solidFill>
+                  <a:srgbClr val="002060"/>
+                </a:solidFill>
+              </a:rPr>
+              <a:t> </a:t>
+            </a:r>
+            <a:r>
+              <a:rPr lang="es-MX" sz="2400" dirty="0" err="1">
+                <a:solidFill>
+                  <a:srgbClr val="002060"/>
+                </a:solidFill>
+              </a:rPr>
+              <a:t>current</a:t>
+            </a:r>
+            <a:r>
+              <a:rPr lang="es-MX" sz="2400" dirty="0">
+                <a:solidFill>
+                  <a:srgbClr val="002060"/>
+                </a:solidFill>
+              </a:rPr>
+              <a:t> MDA </a:t>
+            </a:r>
+            <a:r>
+              <a:rPr lang="es-MX" sz="2400" dirty="0" err="1">
+                <a:solidFill>
+                  <a:srgbClr val="002060"/>
+                </a:solidFill>
+              </a:rPr>
+              <a:t>multifidelity</a:t>
+            </a:r>
+            <a:r>
+              <a:rPr lang="es-MX" sz="2400" dirty="0">
+                <a:solidFill>
+                  <a:srgbClr val="002060"/>
+                </a:solidFill>
+              </a:rPr>
+              <a:t> </a:t>
+            </a:r>
+            <a:r>
+              <a:rPr lang="es-MX" sz="2400" dirty="0" err="1">
+                <a:solidFill>
+                  <a:srgbClr val="002060"/>
+                </a:solidFill>
+              </a:rPr>
+              <a:t>system</a:t>
+            </a:r>
+            <a:r>
+              <a:rPr lang="es-MX" sz="2400" dirty="0">
+                <a:solidFill>
+                  <a:srgbClr val="002060"/>
+                </a:solidFill>
+              </a:rPr>
+              <a:t>.</a:t>
+            </a:r>
+          </a:p>
+        </p:txBody>
+      </p:sp>
+      <p:sp>
+        <p:nvSpPr>
+          <p:cNvPr id="52" name="CuadroTexto 51">
+            <a:extLst>
+              <a:ext uri="{FF2B5EF4-FFF2-40B4-BE49-F238E27FC236}">
+                <a16:creationId xmlns:a16="http://schemas.microsoft.com/office/drawing/2014/main" id="{BAE1A0D9-670D-481B-A86A-AB8842884357}"/>
+              </a:ext>
+            </a:extLst>
+          </p:cNvPr>
+          <p:cNvSpPr txBox="1"/>
+          <p:nvPr/>
+        </p:nvSpPr>
+        <p:spPr>
+          <a:xfrm>
+            <a:off x="14359647" y="24737397"/>
+            <a:ext cx="6978858" cy="461665"/>
+          </a:xfrm>
+          <a:prstGeom prst="rect">
+            <a:avLst/>
+          </a:prstGeom>
+          <a:noFill/>
+        </p:spPr>
+        <p:txBody>
+          <a:bodyPr wrap="square" rtlCol="0">
+            <a:spAutoFit/>
+          </a:bodyPr>
+          <a:lstStyle/>
+          <a:p>
+            <a:r>
+              <a:rPr lang="es-MX" sz="2400" b="1" dirty="0">
+                <a:solidFill>
+                  <a:srgbClr val="002060"/>
+                </a:solidFill>
+              </a:rPr>
+              <a:t>Fig. 3 </a:t>
+            </a:r>
+            <a:r>
+              <a:rPr lang="es-MX" sz="2400" dirty="0" err="1">
+                <a:solidFill>
+                  <a:srgbClr val="002060"/>
+                </a:solidFill>
+              </a:rPr>
+              <a:t>Equivalent</a:t>
+            </a:r>
+            <a:r>
+              <a:rPr lang="es-MX" sz="2400" dirty="0">
+                <a:solidFill>
+                  <a:srgbClr val="002060"/>
+                </a:solidFill>
+              </a:rPr>
+              <a:t> stress </a:t>
+            </a:r>
+            <a:r>
+              <a:rPr lang="es-MX" sz="2400" dirty="0" err="1">
+                <a:solidFill>
+                  <a:srgbClr val="002060"/>
+                </a:solidFill>
+              </a:rPr>
+              <a:t>over</a:t>
+            </a:r>
+            <a:r>
+              <a:rPr lang="es-MX" sz="2400" dirty="0">
+                <a:solidFill>
+                  <a:srgbClr val="002060"/>
+                </a:solidFill>
+              </a:rPr>
+              <a:t> </a:t>
+            </a:r>
+            <a:r>
+              <a:rPr lang="es-MX" sz="2400" dirty="0" err="1">
+                <a:solidFill>
+                  <a:srgbClr val="002060"/>
+                </a:solidFill>
+              </a:rPr>
+              <a:t>an</a:t>
+            </a:r>
+            <a:r>
+              <a:rPr lang="es-MX" sz="2400" dirty="0">
+                <a:solidFill>
+                  <a:srgbClr val="002060"/>
+                </a:solidFill>
+              </a:rPr>
+              <a:t> </a:t>
+            </a:r>
+            <a:r>
+              <a:rPr lang="es-MX" sz="2400" dirty="0" err="1">
+                <a:solidFill>
+                  <a:srgbClr val="002060"/>
+                </a:solidFill>
+              </a:rPr>
+              <a:t>optimized</a:t>
+            </a:r>
+            <a:r>
+              <a:rPr lang="es-MX" sz="2400" dirty="0">
+                <a:solidFill>
+                  <a:srgbClr val="002060"/>
+                </a:solidFill>
+              </a:rPr>
+              <a:t> </a:t>
+            </a:r>
+            <a:r>
+              <a:rPr lang="es-MX" sz="2400" dirty="0" err="1">
+                <a:solidFill>
+                  <a:srgbClr val="002060"/>
+                </a:solidFill>
+              </a:rPr>
+              <a:t>wing</a:t>
+            </a:r>
+            <a:r>
+              <a:rPr lang="es-MX" sz="2400" dirty="0">
+                <a:solidFill>
+                  <a:srgbClr val="002060"/>
+                </a:solidFill>
+              </a:rPr>
+              <a:t> .</a:t>
+            </a:r>
+          </a:p>
+        </p:txBody>
+      </p:sp>
+      <p:pic>
+        <p:nvPicPr>
+          <p:cNvPr id="53" name="Imagen 52">
+            <a:extLst>
+              <a:ext uri="{FF2B5EF4-FFF2-40B4-BE49-F238E27FC236}">
+                <a16:creationId xmlns:a16="http://schemas.microsoft.com/office/drawing/2014/main" id="{D9660444-5D99-4AF5-8459-23918E7D21B4}"/>
+              </a:ext>
+            </a:extLst>
+          </p:cNvPr>
+          <p:cNvPicPr>
+            <a:picLocks noChangeAspect="1"/>
+          </p:cNvPicPr>
+          <p:nvPr/>
+        </p:nvPicPr>
+        <p:blipFill>
+          <a:blip r:embed="rId17"/>
+          <a:stretch>
+            <a:fillRect/>
+          </a:stretch>
+        </p:blipFill>
+        <p:spPr>
+          <a:xfrm>
+            <a:off x="20426482" y="14137443"/>
+            <a:ext cx="646232" cy="646232"/>
+          </a:xfrm>
+          <a:prstGeom prst="rect">
+            <a:avLst/>
+          </a:prstGeom>
+        </p:spPr>
+      </p:pic>
       <p:graphicFrame>
         <p:nvGraphicFramePr>
-          <p:cNvPr id="57" name="Gráfico 56">
+          <p:cNvPr id="55" name="Gráfico 54">
             <a:extLst>
               <a:ext uri="{FF2B5EF4-FFF2-40B4-BE49-F238E27FC236}">
-                <a16:creationId xmlns:a16="http://schemas.microsoft.com/office/drawing/2014/main" id="{4959CFC2-2260-4B4A-8717-7E579467097C}"/>
+                <a16:creationId xmlns:a16="http://schemas.microsoft.com/office/drawing/2014/main" id="{7C82B5C0-AA9C-4624-AC37-8240AAA78F28}"/>
               </a:ext>
             </a:extLst>
           </p:cNvPr>
@@ -17144,14 +18267,14 @@
           <p:nvPr>
             <p:extLst>
               <p:ext uri="{D42A27DB-BD31-4B8C-83A1-F6EECF244321}">
-                <p14:modId xmlns:p14="http://schemas.microsoft.com/office/powerpoint/2010/main" val="2037950306"/>
+                <p14:modId xmlns:p14="http://schemas.microsoft.com/office/powerpoint/2010/main" val="1920121731"/>
               </p:ext>
             </p:extLst>
           </p:nvPr>
         </p:nvGraphicFramePr>
         <p:xfrm>
-          <a:off x="14442578" y="24710701"/>
-          <a:ext cx="6788164" cy="3715890"/>
+          <a:off x="14339981" y="25199062"/>
+          <a:ext cx="6890761" cy="4099827"/>
         </p:xfrm>
         <a:graphic>
           <a:graphicData uri="http://schemas.openxmlformats.org/drawingml/2006/chart">

--- a/S3 Poster/Multifidelity aeroelastic optimization with application to a BWB.pptx
+++ b/S3 Poster/Multifidelity aeroelastic optimization with application to a BWB.pptx
@@ -11333,7 +11333,7 @@
               <a:pPr>
                 <a:defRPr/>
               </a:pPr>
-              <a:t>13/10/2019</a:t>
+              <a:t>15/10/2019</a:t>
             </a:fld>
             <a:endParaRPr lang="pt-BR"/>
           </a:p>
@@ -11546,7 +11546,7 @@
               <a:pPr>
                 <a:defRPr/>
               </a:pPr>
-              <a:t>13/10/2019</a:t>
+              <a:t>15/10/2019</a:t>
             </a:fld>
             <a:endParaRPr lang="pt-BR"/>
           </a:p>
@@ -11769,7 +11769,7 @@
               <a:pPr>
                 <a:defRPr/>
               </a:pPr>
-              <a:t>13/10/2019</a:t>
+              <a:t>15/10/2019</a:t>
             </a:fld>
             <a:endParaRPr lang="pt-BR"/>
           </a:p>
@@ -11982,7 +11982,7 @@
               <a:pPr>
                 <a:defRPr/>
               </a:pPr>
-              <a:t>13/10/2019</a:t>
+              <a:t>15/10/2019</a:t>
             </a:fld>
             <a:endParaRPr lang="pt-BR"/>
           </a:p>
@@ -12272,7 +12272,7 @@
               <a:pPr>
                 <a:defRPr/>
               </a:pPr>
-              <a:t>13/10/2019</a:t>
+              <a:t>15/10/2019</a:t>
             </a:fld>
             <a:endParaRPr lang="pt-BR"/>
           </a:p>
@@ -12602,7 +12602,7 @@
               <a:pPr>
                 <a:defRPr/>
               </a:pPr>
-              <a:t>13/10/2019</a:t>
+              <a:t>15/10/2019</a:t>
             </a:fld>
             <a:endParaRPr lang="pt-BR"/>
           </a:p>
@@ -13071,7 +13071,7 @@
               <a:pPr>
                 <a:defRPr/>
               </a:pPr>
-              <a:t>13/10/2019</a:t>
+              <a:t>15/10/2019</a:t>
             </a:fld>
             <a:endParaRPr lang="pt-BR"/>
           </a:p>
@@ -13233,7 +13233,7 @@
               <a:pPr>
                 <a:defRPr/>
               </a:pPr>
-              <a:t>13/10/2019</a:t>
+              <a:t>15/10/2019</a:t>
             </a:fld>
             <a:endParaRPr lang="pt-BR"/>
           </a:p>
@@ -13373,7 +13373,7 @@
               <a:pPr>
                 <a:defRPr/>
               </a:pPr>
-              <a:t>13/10/2019</a:t>
+              <a:t>15/10/2019</a:t>
             </a:fld>
             <a:endParaRPr lang="pt-BR"/>
           </a:p>
@@ -13693,7 +13693,7 @@
               <a:pPr>
                 <a:defRPr/>
               </a:pPr>
-              <a:t>13/10/2019</a:t>
+              <a:t>15/10/2019</a:t>
             </a:fld>
             <a:endParaRPr lang="pt-BR"/>
           </a:p>
@@ -13993,7 +13993,7 @@
               <a:pPr>
                 <a:defRPr/>
               </a:pPr>
-              <a:t>13/10/2019</a:t>
+              <a:t>15/10/2019</a:t>
             </a:fld>
             <a:endParaRPr lang="pt-BR"/>
           </a:p>
@@ -14318,7 +14318,7 @@
               <a:pPr>
                 <a:defRPr/>
               </a:pPr>
-              <a:t>13/10/2019</a:t>
+              <a:t>15/10/2019</a:t>
             </a:fld>
             <a:endParaRPr lang="pt-BR"/>
           </a:p>
@@ -15229,7 +15229,7 @@
         </p:nvSpPr>
         <p:spPr bwMode="auto">
           <a:xfrm>
-            <a:off x="126073" y="791786"/>
+            <a:off x="126073" y="1049747"/>
             <a:ext cx="21104669" cy="2994658"/>
           </a:xfrm>
           <a:prstGeom prst="rect">
@@ -15532,581 +15532,6 @@
       </p:sp>
       <p:sp>
         <p:nvSpPr>
-          <p:cNvPr id="58" name="Rectangle 57">
-            <a:extLst>
-              <a:ext uri="{FF2B5EF4-FFF2-40B4-BE49-F238E27FC236}">
-                <a16:creationId xmlns:a16="http://schemas.microsoft.com/office/drawing/2014/main" id="{E3FFBFE1-D895-4096-9C18-5EF37196B1EF}"/>
-              </a:ext>
-            </a:extLst>
-          </p:cNvPr>
-          <p:cNvSpPr/>
-          <p:nvPr/>
-        </p:nvSpPr>
-        <p:spPr>
-          <a:xfrm>
-            <a:off x="10338739" y="19509400"/>
-            <a:ext cx="11000382" cy="1200329"/>
-          </a:xfrm>
-          <a:prstGeom prst="rect">
-            <a:avLst/>
-          </a:prstGeom>
-        </p:spPr>
-        <p:txBody>
-          <a:bodyPr wrap="square">
-            <a:spAutoFit/>
-          </a:bodyPr>
-          <a:lstStyle/>
-          <a:p>
-            <a:pPr algn="just"/>
-            <a:r>
-              <a:rPr lang="es-MX" sz="1200" b="1" dirty="0">
-                <a:solidFill>
-                  <a:srgbClr val="002060"/>
-                </a:solidFill>
-                <a:latin typeface="+mj-lt"/>
-              </a:rPr>
-              <a:t>[1] Gray, J., Moore, K., &amp; </a:t>
-            </a:r>
-            <a:r>
-              <a:rPr lang="es-MX" sz="1200" b="1" dirty="0" err="1">
-                <a:solidFill>
-                  <a:srgbClr val="002060"/>
-                </a:solidFill>
-                <a:latin typeface="+mj-lt"/>
-              </a:rPr>
-              <a:t>Naylor</a:t>
-            </a:r>
-            <a:r>
-              <a:rPr lang="es-MX" sz="1200" b="1" dirty="0">
-                <a:solidFill>
-                  <a:srgbClr val="002060"/>
-                </a:solidFill>
-                <a:latin typeface="+mj-lt"/>
-              </a:rPr>
-              <a:t>, B. (2010, </a:t>
-            </a:r>
-            <a:r>
-              <a:rPr lang="es-MX" sz="1200" b="1" dirty="0" err="1">
-                <a:solidFill>
-                  <a:srgbClr val="002060"/>
-                </a:solidFill>
-                <a:latin typeface="+mj-lt"/>
-              </a:rPr>
-              <a:t>September</a:t>
-            </a:r>
-            <a:r>
-              <a:rPr lang="es-MX" sz="1200" b="1" dirty="0">
-                <a:solidFill>
-                  <a:srgbClr val="002060"/>
-                </a:solidFill>
-                <a:latin typeface="+mj-lt"/>
-              </a:rPr>
-              <a:t>). </a:t>
-            </a:r>
-            <a:r>
-              <a:rPr lang="es-MX" sz="1200" b="1" dirty="0" err="1">
-                <a:solidFill>
-                  <a:srgbClr val="002060"/>
-                </a:solidFill>
-                <a:latin typeface="+mj-lt"/>
-              </a:rPr>
-              <a:t>OpenMDAO</a:t>
-            </a:r>
-            <a:r>
-              <a:rPr lang="es-MX" sz="1200" b="1" dirty="0">
-                <a:solidFill>
-                  <a:srgbClr val="002060"/>
-                </a:solidFill>
-                <a:latin typeface="+mj-lt"/>
-              </a:rPr>
-              <a:t>: </a:t>
-            </a:r>
-            <a:r>
-              <a:rPr lang="es-MX" sz="1200" b="1" dirty="0" err="1">
-                <a:solidFill>
-                  <a:srgbClr val="002060"/>
-                </a:solidFill>
-                <a:latin typeface="+mj-lt"/>
-              </a:rPr>
-              <a:t>An</a:t>
-            </a:r>
-            <a:r>
-              <a:rPr lang="es-MX" sz="1200" b="1" dirty="0">
-                <a:solidFill>
-                  <a:srgbClr val="002060"/>
-                </a:solidFill>
-                <a:latin typeface="+mj-lt"/>
-              </a:rPr>
-              <a:t> open </a:t>
-            </a:r>
-            <a:r>
-              <a:rPr lang="es-MX" sz="1200" b="1" dirty="0" err="1">
-                <a:solidFill>
-                  <a:srgbClr val="002060"/>
-                </a:solidFill>
-                <a:latin typeface="+mj-lt"/>
-              </a:rPr>
-              <a:t>source</a:t>
-            </a:r>
-            <a:r>
-              <a:rPr lang="es-MX" sz="1200" b="1" dirty="0">
-                <a:solidFill>
-                  <a:srgbClr val="002060"/>
-                </a:solidFill>
-                <a:latin typeface="+mj-lt"/>
-              </a:rPr>
-              <a:t> </a:t>
-            </a:r>
-            <a:r>
-              <a:rPr lang="es-MX" sz="1200" b="1" dirty="0" err="1">
-                <a:solidFill>
-                  <a:srgbClr val="002060"/>
-                </a:solidFill>
-                <a:latin typeface="+mj-lt"/>
-              </a:rPr>
-              <a:t>framework</a:t>
-            </a:r>
-            <a:r>
-              <a:rPr lang="es-MX" sz="1200" b="1" dirty="0">
-                <a:solidFill>
-                  <a:srgbClr val="002060"/>
-                </a:solidFill>
-                <a:latin typeface="+mj-lt"/>
-              </a:rPr>
-              <a:t> </a:t>
-            </a:r>
-            <a:r>
-              <a:rPr lang="es-MX" sz="1200" b="1" dirty="0" err="1">
-                <a:solidFill>
-                  <a:srgbClr val="002060"/>
-                </a:solidFill>
-                <a:latin typeface="+mj-lt"/>
-              </a:rPr>
-              <a:t>for</a:t>
-            </a:r>
-            <a:r>
-              <a:rPr lang="es-MX" sz="1200" b="1" dirty="0">
-                <a:solidFill>
-                  <a:srgbClr val="002060"/>
-                </a:solidFill>
-                <a:latin typeface="+mj-lt"/>
-              </a:rPr>
-              <a:t> </a:t>
-            </a:r>
-            <a:r>
-              <a:rPr lang="es-MX" sz="1200" b="1" dirty="0" err="1">
-                <a:solidFill>
-                  <a:srgbClr val="002060"/>
-                </a:solidFill>
-                <a:latin typeface="+mj-lt"/>
-              </a:rPr>
-              <a:t>multidisciplinary</a:t>
-            </a:r>
-            <a:r>
-              <a:rPr lang="es-MX" sz="1200" b="1" dirty="0">
-                <a:solidFill>
-                  <a:srgbClr val="002060"/>
-                </a:solidFill>
-                <a:latin typeface="+mj-lt"/>
-              </a:rPr>
-              <a:t> </a:t>
-            </a:r>
-            <a:r>
-              <a:rPr lang="es-MX" sz="1200" b="1" dirty="0" err="1">
-                <a:solidFill>
-                  <a:srgbClr val="002060"/>
-                </a:solidFill>
-                <a:latin typeface="+mj-lt"/>
-              </a:rPr>
-              <a:t>analysis</a:t>
-            </a:r>
-            <a:r>
-              <a:rPr lang="es-MX" sz="1200" b="1" dirty="0">
-                <a:solidFill>
-                  <a:srgbClr val="002060"/>
-                </a:solidFill>
-                <a:latin typeface="+mj-lt"/>
-              </a:rPr>
-              <a:t> and </a:t>
-            </a:r>
-            <a:r>
-              <a:rPr lang="es-MX" sz="1200" b="1" dirty="0" err="1">
-                <a:solidFill>
-                  <a:srgbClr val="002060"/>
-                </a:solidFill>
-                <a:latin typeface="+mj-lt"/>
-              </a:rPr>
-              <a:t>optimization</a:t>
-            </a:r>
-            <a:r>
-              <a:rPr lang="es-MX" sz="1200" b="1" dirty="0">
-                <a:solidFill>
-                  <a:srgbClr val="002060"/>
-                </a:solidFill>
-                <a:latin typeface="+mj-lt"/>
-              </a:rPr>
-              <a:t>. In 13th AIAA/ISSMO </a:t>
-            </a:r>
-            <a:r>
-              <a:rPr lang="es-MX" sz="1200" b="1" dirty="0" err="1">
-                <a:solidFill>
-                  <a:srgbClr val="002060"/>
-                </a:solidFill>
-                <a:latin typeface="+mj-lt"/>
-              </a:rPr>
-              <a:t>Multidisciplinary</a:t>
-            </a:r>
-            <a:r>
-              <a:rPr lang="es-MX" sz="1200" b="1" dirty="0">
-                <a:solidFill>
-                  <a:srgbClr val="002060"/>
-                </a:solidFill>
-                <a:latin typeface="+mj-lt"/>
-              </a:rPr>
-              <a:t> </a:t>
-            </a:r>
-            <a:r>
-              <a:rPr lang="es-MX" sz="1200" b="1" dirty="0" err="1">
-                <a:solidFill>
-                  <a:srgbClr val="002060"/>
-                </a:solidFill>
-                <a:latin typeface="+mj-lt"/>
-              </a:rPr>
-              <a:t>Analysis</a:t>
-            </a:r>
-            <a:r>
-              <a:rPr lang="es-MX" sz="1200" b="1" dirty="0">
-                <a:solidFill>
-                  <a:srgbClr val="002060"/>
-                </a:solidFill>
-                <a:latin typeface="+mj-lt"/>
-              </a:rPr>
-              <a:t> </a:t>
-            </a:r>
-            <a:r>
-              <a:rPr lang="es-MX" sz="1200" b="1" dirty="0" err="1">
-                <a:solidFill>
-                  <a:srgbClr val="002060"/>
-                </a:solidFill>
-                <a:latin typeface="+mj-lt"/>
-              </a:rPr>
-              <a:t>Optimization</a:t>
-            </a:r>
-            <a:r>
-              <a:rPr lang="es-MX" sz="1200" b="1" dirty="0">
-                <a:solidFill>
-                  <a:srgbClr val="002060"/>
-                </a:solidFill>
-                <a:latin typeface="+mj-lt"/>
-              </a:rPr>
-              <a:t> </a:t>
-            </a:r>
-            <a:r>
-              <a:rPr lang="es-MX" sz="1200" b="1" dirty="0" err="1">
-                <a:solidFill>
-                  <a:srgbClr val="002060"/>
-                </a:solidFill>
-                <a:latin typeface="+mj-lt"/>
-              </a:rPr>
-              <a:t>Conference</a:t>
-            </a:r>
-            <a:r>
-              <a:rPr lang="es-MX" sz="1200" b="1" dirty="0">
-                <a:solidFill>
-                  <a:srgbClr val="002060"/>
-                </a:solidFill>
-                <a:latin typeface="+mj-lt"/>
-              </a:rPr>
-              <a:t> (p. 9101).</a:t>
-            </a:r>
-            <a:endParaRPr lang="en-US" sz="1200" b="1" dirty="0">
-              <a:solidFill>
-                <a:srgbClr val="002060"/>
-              </a:solidFill>
-              <a:latin typeface="+mn-lt"/>
-            </a:endParaRPr>
-          </a:p>
-          <a:p>
-            <a:r>
-              <a:rPr lang="en-GB" sz="1200" b="1" dirty="0">
-                <a:solidFill>
-                  <a:srgbClr val="002060"/>
-                </a:solidFill>
-                <a:latin typeface="+mn-lt"/>
-              </a:rPr>
-              <a:t>[2] </a:t>
-            </a:r>
-            <a:r>
-              <a:rPr lang="en-GB" sz="1200" b="1" dirty="0" err="1">
-                <a:solidFill>
-                  <a:srgbClr val="002060"/>
-                </a:solidFill>
-                <a:latin typeface="+mn-lt"/>
-              </a:rPr>
-              <a:t>Peherstorfer</a:t>
-            </a:r>
-            <a:r>
-              <a:rPr lang="en-GB" sz="1200" b="1" dirty="0">
-                <a:solidFill>
-                  <a:srgbClr val="002060"/>
-                </a:solidFill>
-                <a:latin typeface="+mn-lt"/>
-              </a:rPr>
-              <a:t>, B., Willcox, K., &amp; </a:t>
-            </a:r>
-            <a:r>
-              <a:rPr lang="en-GB" sz="1200" b="1" dirty="0" err="1">
-                <a:solidFill>
-                  <a:srgbClr val="002060"/>
-                </a:solidFill>
-                <a:latin typeface="+mn-lt"/>
-              </a:rPr>
-              <a:t>Gunzburger</a:t>
-            </a:r>
-            <a:r>
-              <a:rPr lang="en-GB" sz="1200" b="1" dirty="0">
-                <a:solidFill>
-                  <a:srgbClr val="002060"/>
-                </a:solidFill>
-                <a:latin typeface="+mn-lt"/>
-              </a:rPr>
-              <a:t>, M. (2018). Survey of </a:t>
-            </a:r>
-            <a:r>
-              <a:rPr lang="en-GB" sz="1200" b="1" dirty="0" err="1">
-                <a:solidFill>
-                  <a:srgbClr val="002060"/>
-                </a:solidFill>
-                <a:latin typeface="+mn-lt"/>
-              </a:rPr>
-              <a:t>multifidelity</a:t>
-            </a:r>
-            <a:r>
-              <a:rPr lang="en-GB" sz="1200" b="1" dirty="0">
-                <a:solidFill>
-                  <a:srgbClr val="002060"/>
-                </a:solidFill>
-                <a:latin typeface="+mn-lt"/>
-              </a:rPr>
-              <a:t> methods in uncertainty propagation, inference, and optimization. SIAM Review, 60(3),            550-591.</a:t>
-            </a:r>
-            <a:endParaRPr lang="en-US" sz="1200" b="1" dirty="0">
-              <a:solidFill>
-                <a:srgbClr val="002060"/>
-              </a:solidFill>
-              <a:latin typeface="+mn-lt"/>
-            </a:endParaRPr>
-          </a:p>
-          <a:p>
-            <a:pPr algn="just"/>
-            <a:r>
-              <a:rPr lang="es-MX" sz="1200" b="1" dirty="0">
-                <a:solidFill>
-                  <a:srgbClr val="002060"/>
-                </a:solidFill>
-                <a:latin typeface="+mn-lt"/>
-              </a:rPr>
-              <a:t>[3] Mas-Colomer, J. (2018). </a:t>
-            </a:r>
-            <a:r>
-              <a:rPr lang="es-MX" sz="1200" b="1" i="1" dirty="0" err="1">
-                <a:solidFill>
-                  <a:srgbClr val="002060"/>
-                </a:solidFill>
-                <a:latin typeface="+mn-lt"/>
-              </a:rPr>
-              <a:t>Aeroelastic</a:t>
-            </a:r>
-            <a:r>
-              <a:rPr lang="es-MX" sz="1200" b="1" i="1" dirty="0">
-                <a:solidFill>
-                  <a:srgbClr val="002060"/>
-                </a:solidFill>
-                <a:latin typeface="+mn-lt"/>
-              </a:rPr>
-              <a:t> </a:t>
-            </a:r>
-            <a:r>
-              <a:rPr lang="es-MX" sz="1200" b="1" i="1" dirty="0" err="1">
-                <a:solidFill>
-                  <a:srgbClr val="002060"/>
-                </a:solidFill>
-                <a:latin typeface="+mn-lt"/>
-              </a:rPr>
-              <a:t>Similarity</a:t>
-            </a:r>
-            <a:r>
-              <a:rPr lang="es-MX" sz="1200" b="1" i="1" dirty="0">
-                <a:solidFill>
-                  <a:srgbClr val="002060"/>
-                </a:solidFill>
-                <a:latin typeface="+mn-lt"/>
-              </a:rPr>
-              <a:t> </a:t>
-            </a:r>
-            <a:r>
-              <a:rPr lang="es-MX" sz="1200" b="1" i="1" dirty="0" err="1">
-                <a:solidFill>
-                  <a:srgbClr val="002060"/>
-                </a:solidFill>
-                <a:latin typeface="+mn-lt"/>
-              </a:rPr>
-              <a:t>of</a:t>
-            </a:r>
-            <a:r>
-              <a:rPr lang="es-MX" sz="1200" b="1" i="1" dirty="0">
-                <a:solidFill>
-                  <a:srgbClr val="002060"/>
-                </a:solidFill>
-                <a:latin typeface="+mn-lt"/>
-              </a:rPr>
-              <a:t> a Flight </a:t>
-            </a:r>
-            <a:r>
-              <a:rPr lang="es-MX" sz="1200" b="1" i="1" dirty="0" err="1">
-                <a:solidFill>
-                  <a:srgbClr val="002060"/>
-                </a:solidFill>
-                <a:latin typeface="+mn-lt"/>
-              </a:rPr>
-              <a:t>Demonstrator</a:t>
-            </a:r>
-            <a:r>
-              <a:rPr lang="es-MX" sz="1200" b="1" i="1" dirty="0">
-                <a:solidFill>
-                  <a:srgbClr val="002060"/>
-                </a:solidFill>
-                <a:latin typeface="+mn-lt"/>
-              </a:rPr>
-              <a:t> </a:t>
-            </a:r>
-            <a:r>
-              <a:rPr lang="es-MX" sz="1200" b="1" i="1" dirty="0" err="1">
-                <a:solidFill>
-                  <a:srgbClr val="002060"/>
-                </a:solidFill>
-                <a:latin typeface="+mn-lt"/>
-              </a:rPr>
-              <a:t>via</a:t>
-            </a:r>
-            <a:r>
-              <a:rPr lang="es-MX" sz="1200" b="1" i="1" dirty="0">
-                <a:solidFill>
-                  <a:srgbClr val="002060"/>
-                </a:solidFill>
-                <a:latin typeface="+mn-lt"/>
-              </a:rPr>
-              <a:t> </a:t>
-            </a:r>
-            <a:r>
-              <a:rPr lang="es-MX" sz="1200" b="1" i="1" dirty="0" err="1">
-                <a:solidFill>
-                  <a:srgbClr val="002060"/>
-                </a:solidFill>
-                <a:latin typeface="+mn-lt"/>
-              </a:rPr>
-              <a:t>Multidisciplinary</a:t>
-            </a:r>
-            <a:r>
-              <a:rPr lang="es-MX" sz="1200" b="1" i="1" dirty="0">
-                <a:solidFill>
-                  <a:srgbClr val="002060"/>
-                </a:solidFill>
-                <a:latin typeface="+mn-lt"/>
-              </a:rPr>
-              <a:t> </a:t>
-            </a:r>
-            <a:r>
-              <a:rPr lang="es-MX" sz="1200" b="1" i="1" dirty="0" err="1">
-                <a:solidFill>
-                  <a:srgbClr val="002060"/>
-                </a:solidFill>
-                <a:latin typeface="+mn-lt"/>
-              </a:rPr>
-              <a:t>Optimization</a:t>
-            </a:r>
-            <a:r>
-              <a:rPr lang="es-MX" sz="1200" b="1" dirty="0">
-                <a:solidFill>
-                  <a:srgbClr val="002060"/>
-                </a:solidFill>
-                <a:latin typeface="+mn-lt"/>
-              </a:rPr>
-              <a:t> (Doctoral </a:t>
-            </a:r>
-            <a:r>
-              <a:rPr lang="es-MX" sz="1200" b="1" dirty="0" err="1">
-                <a:solidFill>
-                  <a:srgbClr val="002060"/>
-                </a:solidFill>
-                <a:latin typeface="+mn-lt"/>
-              </a:rPr>
-              <a:t>dissertation</a:t>
-            </a:r>
-            <a:r>
-              <a:rPr lang="es-MX" sz="1200" b="1" dirty="0">
-                <a:solidFill>
-                  <a:srgbClr val="002060"/>
-                </a:solidFill>
-                <a:latin typeface="+mn-lt"/>
-              </a:rPr>
-              <a:t>, </a:t>
-            </a:r>
-            <a:r>
-              <a:rPr lang="es-MX" sz="1200" b="1" dirty="0" err="1">
-                <a:solidFill>
-                  <a:srgbClr val="002060"/>
-                </a:solidFill>
-                <a:latin typeface="+mn-lt"/>
-              </a:rPr>
-              <a:t>Université</a:t>
-            </a:r>
-            <a:r>
-              <a:rPr lang="es-MX" sz="1200" b="1" dirty="0">
-                <a:solidFill>
-                  <a:srgbClr val="002060"/>
-                </a:solidFill>
-                <a:latin typeface="+mn-lt"/>
-              </a:rPr>
-              <a:t> </a:t>
-            </a:r>
-            <a:r>
-              <a:rPr lang="es-MX" sz="1200" b="1" dirty="0" err="1">
-                <a:solidFill>
-                  <a:srgbClr val="002060"/>
-                </a:solidFill>
-                <a:latin typeface="+mn-lt"/>
-              </a:rPr>
-              <a:t>Fédérale</a:t>
-            </a:r>
-            <a:r>
-              <a:rPr lang="es-MX" sz="1200" b="1" dirty="0">
-                <a:solidFill>
-                  <a:srgbClr val="002060"/>
-                </a:solidFill>
-                <a:latin typeface="+mn-lt"/>
-              </a:rPr>
-              <a:t> de Toulouse).</a:t>
-            </a:r>
-            <a:endParaRPr lang="en-US" sz="1200" b="1" dirty="0">
-              <a:solidFill>
-                <a:srgbClr val="002060"/>
-              </a:solidFill>
-              <a:latin typeface="+mn-lt"/>
-            </a:endParaRPr>
-          </a:p>
-          <a:p>
-            <a:endParaRPr lang="en-US" sz="1200" dirty="0">
-              <a:solidFill>
-                <a:srgbClr val="002060"/>
-              </a:solidFill>
-              <a:latin typeface="+mj-lt"/>
-            </a:endParaRPr>
-          </a:p>
-        </p:txBody>
-      </p:sp>
-      <p:sp>
-        <p:nvSpPr>
           <p:cNvPr id="44" name="Rectangle: Rounded Corners 43">
             <a:extLst>
               <a:ext uri="{FF2B5EF4-FFF2-40B4-BE49-F238E27FC236}">
@@ -16435,7 +15860,7 @@
         </p:nvGrpSpPr>
         <p:grpSpPr>
           <a:xfrm>
-            <a:off x="-679102" y="19886165"/>
+            <a:off x="-679102" y="20067708"/>
             <a:ext cx="19107407" cy="10187609"/>
             <a:chOff x="1152264" y="19938300"/>
             <a:chExt cx="19065469" cy="10187609"/>
@@ -17198,8 +16623,8 @@
         </p:nvSpPr>
         <p:spPr>
           <a:xfrm>
-            <a:off x="306044" y="5267296"/>
-            <a:ext cx="10107955" cy="6645304"/>
+            <a:off x="112986" y="5246500"/>
+            <a:ext cx="10585176" cy="6645304"/>
           </a:xfrm>
           <a:prstGeom prst="roundRect">
             <a:avLst/>
@@ -17233,40 +16658,82 @@
           <a:bodyPr rtlCol="0" anchor="ctr"/>
           <a:lstStyle/>
           <a:p>
-            <a:pPr algn="just"/>
+            <a:pPr marL="457200" indent="-457200" algn="just">
+              <a:buFont typeface="Arial" panose="020B0604020202020204" pitchFamily="34" charset="0"/>
+              <a:buChar char="•"/>
+            </a:pPr>
             <a:r>
               <a:rPr lang="en-GB" sz="3200" dirty="0">
                 <a:solidFill>
                   <a:srgbClr val="002060"/>
                 </a:solidFill>
               </a:rPr>
-              <a:t>Aerospace design requires the consideration of fluid-structure interaction from the early stages of the project. MDO libraries allow the user to couple both disciplines and optimize with respect to established bounds and variables [1].</a:t>
+              <a:t>Fluid-Structure interaction optimization problems are often hard to solve. </a:t>
             </a:r>
           </a:p>
           <a:p>
-            <a:pPr algn="just"/>
+            <a:pPr marL="457200" indent="-457200" algn="just">
+              <a:buFont typeface="Arial" panose="020B0604020202020204" pitchFamily="34" charset="0"/>
+              <a:buChar char="•"/>
+            </a:pPr>
             <a:r>
               <a:rPr lang="en-GB" sz="3200" dirty="0">
                 <a:solidFill>
                   <a:srgbClr val="002060"/>
                 </a:solidFill>
               </a:rPr>
-              <a:t>High-Fidelity simulations offer accurate results but are often too expensive for direct design optimizations.</a:t>
-            </a:r>
-          </a:p>
-          <a:p>
-            <a:pPr algn="just"/>
+              <a:t>MDO libraries allow the user to couple both disciplines and optimize </a:t>
+            </a:r>
+            <a:r>
+              <a:rPr lang="en-GB" sz="3200" dirty="0" err="1">
+                <a:solidFill>
+                  <a:srgbClr val="002060"/>
+                </a:solidFill>
+              </a:rPr>
+              <a:t>w.r.t.</a:t>
+            </a:r>
             <a:r>
               <a:rPr lang="en-GB" sz="3200" dirty="0">
                 <a:solidFill>
                   <a:srgbClr val="002060"/>
                 </a:solidFill>
               </a:rPr>
-              <a:t>Low-Fidelity analysis offer reasonable approximations with low computational demands.</a:t>
+              <a:t> established bounds and variables [1].</a:t>
             </a:r>
           </a:p>
           <a:p>
-            <a:pPr algn="just"/>
+            <a:pPr marL="457200" indent="-457200" algn="just">
+              <a:buFont typeface="Arial" panose="020B0604020202020204" pitchFamily="34" charset="0"/>
+              <a:buChar char="•"/>
+            </a:pPr>
+            <a:r>
+              <a:rPr lang="en-GB" sz="3200" dirty="0">
+                <a:solidFill>
+                  <a:srgbClr val="002060"/>
+                </a:solidFill>
+              </a:rPr>
+              <a:t>Hi-Fi simulations offer accurate results but are often too expensive for direct design optimizations.</a:t>
+            </a:r>
+          </a:p>
+          <a:p>
+            <a:pPr marL="457200" indent="-457200" algn="just">
+              <a:buFont typeface="Arial" panose="020B0604020202020204" pitchFamily="34" charset="0"/>
+              <a:buChar char="•"/>
+            </a:pPr>
+            <a:r>
+              <a:rPr lang="en-GB" sz="3200" dirty="0">
+                <a:solidFill>
+                  <a:srgbClr val="002060"/>
+                </a:solidFill>
+              </a:rPr>
+              <a:t>Lo-Fi analysis offer reasonable approximations with low computational demands.</a:t>
+            </a:r>
+          </a:p>
+          <a:p>
+            <a:pPr marL="457200" indent="-457200" algn="just">
+              <a:buFont typeface="Arial" panose="020B0604020202020204" pitchFamily="34" charset="0"/>
+              <a:buChar char="•"/>
+            </a:pPr>
             <a:r>
               <a:rPr lang="en-GB" sz="3200" dirty="0" err="1">
                 <a:solidFill>
@@ -17281,7 +16748,21 @@
                   <a:srgbClr val="002060"/>
                 </a:solidFill>
               </a:rPr>
-              <a:t> methods leverage error and costs to speedup simulations [2]. The purpose of this work is to implement the aforementioned techniques to the development of a BWB concept aircraft.</a:t>
+              <a:t> methods leverage error and costs to speedup simulations [2]. </a:t>
+            </a:r>
+          </a:p>
+          <a:p>
+            <a:pPr marL="457200" indent="-457200" algn="just">
+              <a:buFont typeface="Arial" panose="020B0604020202020204" pitchFamily="34" charset="0"/>
+              <a:buChar char="•"/>
+            </a:pPr>
+            <a:r>
+              <a:rPr lang="en-GB" sz="3200" dirty="0">
+                <a:solidFill>
+                  <a:srgbClr val="002060"/>
+                </a:solidFill>
+              </a:rPr>
+              <a:t>The purpose of this work is to implement the aforementioned techniques to the development of a BWB concept aircraft.</a:t>
             </a:r>
           </a:p>
         </p:txBody>
@@ -17657,8 +17138,8 @@
         </p:nvSpPr>
         <p:spPr>
           <a:xfrm>
-            <a:off x="306045" y="13189421"/>
-            <a:ext cx="10032078" cy="6680492"/>
+            <a:off x="306044" y="13189420"/>
+            <a:ext cx="10392117" cy="7000552"/>
           </a:xfrm>
           <a:prstGeom prst="roundRect">
             <a:avLst/>
@@ -17692,17 +17173,20 @@
           <a:bodyPr rtlCol="0" anchor="ctr"/>
           <a:lstStyle/>
           <a:p>
-            <a:pPr algn="just"/>
-            <a:r>
-              <a:rPr lang="en-GB" sz="3200" dirty="0">
+            <a:pPr marL="457200" indent="-457200" algn="just">
+              <a:buFont typeface="Arial" panose="020B0604020202020204" pitchFamily="34" charset="0"/>
+              <a:buChar char="•"/>
+            </a:pPr>
+            <a:r>
+              <a:rPr lang="en-GB" sz="3100" dirty="0">
                 <a:solidFill>
                   <a:srgbClr val="002060"/>
                 </a:solidFill>
               </a:rPr>
-              <a:t>The main base for the development of this project is the aerostructures python package [3], which facilitates the creation of MDA and MDAO problems in </a:t>
-            </a:r>
-            <a:r>
-              <a:rPr lang="en-GB" sz="3200" dirty="0" err="1">
+              <a:t>The base for the code development is the aerostructures package [3], which facilitates the creation of MDAO problems in </a:t>
+            </a:r>
+            <a:r>
+              <a:rPr lang="en-GB" sz="3100" dirty="0" err="1">
                 <a:solidFill>
                   <a:srgbClr val="002060"/>
                 </a:solidFill>
@@ -17710,7 +17194,7 @@
               <a:t>OpenMDAO</a:t>
             </a:r>
             <a:r>
-              <a:rPr lang="en-GB" sz="3200" dirty="0">
+              <a:rPr lang="en-GB" sz="3100" dirty="0">
                 <a:solidFill>
                   <a:srgbClr val="002060"/>
                 </a:solidFill>
@@ -17720,8 +17204,19 @@
           </a:p>
           <a:p>
             <a:pPr algn="just"/>
-            <a:r>
-              <a:rPr lang="en-GB" sz="3200" dirty="0">
+            <a:endParaRPr lang="en-GB" sz="3100" dirty="0">
+              <a:solidFill>
+                <a:srgbClr val="002060"/>
+              </a:solidFill>
+            </a:endParaRPr>
+          </a:p>
+          <a:p>
+            <a:pPr marL="457200" indent="-457200" algn="just">
+              <a:buFont typeface="Arial" panose="020B0604020202020204" pitchFamily="34" charset="0"/>
+              <a:buChar char="•"/>
+            </a:pPr>
+            <a:r>
+              <a:rPr lang="en-GB" sz="3100" dirty="0">
                 <a:solidFill>
                   <a:srgbClr val="002060"/>
                 </a:solidFill>
@@ -17729,7 +17224,7 @@
               <a:t>Open-source structural (NASTRAN)  and fluid solvers (</a:t>
             </a:r>
             <a:r>
-              <a:rPr lang="en-GB" sz="3200" dirty="0" err="1">
+              <a:rPr lang="en-GB" sz="3100" dirty="0" err="1">
                 <a:solidFill>
                   <a:srgbClr val="002060"/>
                 </a:solidFill>
@@ -17737,7 +17232,7 @@
               <a:t>Panair</a:t>
             </a:r>
             <a:r>
-              <a:rPr lang="en-GB" sz="3200" dirty="0">
+              <a:rPr lang="en-GB" sz="3100" dirty="0">
                 <a:solidFill>
                   <a:srgbClr val="002060"/>
                 </a:solidFill>
@@ -17745,7 +17240,7 @@
               <a:t>, </a:t>
             </a:r>
             <a:r>
-              <a:rPr lang="en-GB" sz="3200" dirty="0" err="1">
+              <a:rPr lang="en-GB" sz="3100" dirty="0" err="1">
                 <a:solidFill>
                   <a:srgbClr val="002060"/>
                 </a:solidFill>
@@ -17753,39 +17248,88 @@
               <a:t>ADFlow</a:t>
             </a:r>
             <a:r>
-              <a:rPr lang="en-GB" sz="3200" dirty="0">
+              <a:rPr lang="en-GB" sz="3100" dirty="0">
                 <a:solidFill>
                   <a:srgbClr val="002060"/>
                 </a:solidFill>
               </a:rPr>
-              <a:t>) are coupled via the displacement field of the structure, and then optimized with respect to the induced drag (see Fig. 1).</a:t>
-            </a:r>
-          </a:p>
-          <a:p>
-            <a:pPr algn="just"/>
-            <a:r>
-              <a:rPr lang="en-GB" sz="3200" dirty="0">
+              <a:t>) are coupled via the displacement field of the structure, then optimized </a:t>
+            </a:r>
+            <a:r>
+              <a:rPr lang="en-GB" sz="3100" dirty="0" err="1">
                 <a:solidFill>
                   <a:srgbClr val="002060"/>
                 </a:solidFill>
               </a:rPr>
-              <a:t>At this stage, the same solver (</a:t>
-            </a:r>
-            <a:r>
-              <a:rPr lang="en-GB" sz="3200" dirty="0" err="1">
+              <a:t>w.r.t.</a:t>
+            </a:r>
+            <a:r>
+              <a:rPr lang="en-GB" sz="3100" dirty="0">
                 <a:solidFill>
                   <a:srgbClr val="002060"/>
                 </a:solidFill>
               </a:rPr>
-              <a:t>Panair</a:t>
-            </a:r>
-            <a:r>
-              <a:rPr lang="en-GB" sz="3200" dirty="0">
+              <a:t> </a:t>
+            </a:r>
+            <a:r>
+              <a:rPr lang="en-GB" sz="3100" dirty="0" err="1">
                 <a:solidFill>
                   <a:srgbClr val="002060"/>
                 </a:solidFill>
               </a:rPr>
-              <a:t>) is used for both fidelities and the only difference between then is the size of the fluid mesh. The philosophy behind this temporary choice is to build a progressively complex model, making sure that everything works at each step.</a:t>
+              <a:t>CDi</a:t>
+            </a:r>
+            <a:r>
+              <a:rPr lang="en-GB" sz="3100" dirty="0">
+                <a:solidFill>
+                  <a:srgbClr val="002060"/>
+                </a:solidFill>
+              </a:rPr>
+              <a:t> (Fig. 1).</a:t>
+            </a:r>
+          </a:p>
+          <a:p>
+            <a:pPr algn="just"/>
+            <a:endParaRPr lang="en-GB" sz="3100" dirty="0">
+              <a:solidFill>
+                <a:srgbClr val="002060"/>
+              </a:solidFill>
+            </a:endParaRPr>
+          </a:p>
+          <a:p>
+            <a:pPr marL="457200" indent="-457200" algn="just">
+              <a:buFont typeface="Arial" panose="020B0604020202020204" pitchFamily="34" charset="0"/>
+              <a:buChar char="•"/>
+            </a:pPr>
+            <a:r>
+              <a:rPr lang="en-GB" sz="3100" dirty="0">
+                <a:solidFill>
+                  <a:srgbClr val="002060"/>
+                </a:solidFill>
+              </a:rPr>
+              <a:t>At this stage the only difference between fidelities then is the size of the fluid mesh. </a:t>
+            </a:r>
+          </a:p>
+          <a:p>
+            <a:pPr algn="just"/>
+            <a:endParaRPr lang="en-GB" sz="3100" dirty="0">
+              <a:solidFill>
+                <a:srgbClr val="002060"/>
+              </a:solidFill>
+            </a:endParaRPr>
+          </a:p>
+          <a:p>
+            <a:pPr marL="457200" indent="-457200" algn="just">
+              <a:buFont typeface="Arial" panose="020B0604020202020204" pitchFamily="34" charset="0"/>
+              <a:buChar char="•"/>
+            </a:pPr>
+            <a:r>
+              <a:rPr lang="en-GB" sz="3100" dirty="0">
+                <a:solidFill>
+                  <a:srgbClr val="002060"/>
+                </a:solidFill>
+              </a:rPr>
+              <a:t>The philosophy is to build a progressively complex model, making sure that everything works at each step.</a:t>
             </a:r>
           </a:p>
         </p:txBody>
@@ -17804,8 +17348,8 @@
         </p:nvSpPr>
         <p:spPr>
           <a:xfrm>
-            <a:off x="11172385" y="5365538"/>
-            <a:ext cx="9850282" cy="5700718"/>
+            <a:off x="10986032" y="5364215"/>
+            <a:ext cx="10259439" cy="5700718"/>
           </a:xfrm>
           <a:prstGeom prst="roundRect">
             <a:avLst/>
@@ -17839,25 +17383,91 @@
           <a:bodyPr rtlCol="0" anchor="ctr"/>
           <a:lstStyle/>
           <a:p>
-            <a:pPr algn="just"/>
+            <a:pPr marL="457200" indent="-457200" algn="just">
+              <a:buFont typeface="Arial" panose="020B0604020202020204" pitchFamily="34" charset="0"/>
+              <a:buChar char="•"/>
+            </a:pPr>
             <a:r>
               <a:rPr lang="en-GB" sz="3200" dirty="0">
                 <a:solidFill>
                   <a:srgbClr val="002060"/>
                 </a:solidFill>
               </a:rPr>
-              <a:t>After successfully linking both fidelity methods via the displacement field, different iteration limits were set at the Lo-Fi levels to evaluate the evolution of the total execution time for the sample problem. Fig. 2 shows the combination of iterations required for convergence of the linked MDA as well as the time to converge. </a:t>
+              <a:t>Different iteration limits were set at the Lo-Fi levels to evaluate the evolution of the total execution time for a sample problem. </a:t>
             </a:r>
           </a:p>
           <a:p>
-            <a:pPr algn="just"/>
+            <a:pPr marL="457200" indent="-457200" algn="just">
+              <a:buFont typeface="Arial" panose="020B0604020202020204" pitchFamily="34" charset="0"/>
+              <a:buChar char="•"/>
+            </a:pPr>
             <a:r>
               <a:rPr lang="en-GB" sz="3200" dirty="0">
                 <a:solidFill>
                   <a:srgbClr val="002060"/>
                 </a:solidFill>
               </a:rPr>
-              <a:t>This plot suggests that accelerating the process is possible and further experimentation will be carried out to go from an iteration-based control to a residual-based control for optimum performance. The resulting shape and stress field is similar for all cases (Fig. 3).</a:t>
+              <a:t>Fig. 2 shows the combination of iterations required for convergence of the linked MDA as well as the time to converge. </a:t>
+            </a:r>
+          </a:p>
+          <a:p>
+            <a:pPr marL="457200" indent="-457200" algn="just">
+              <a:buFont typeface="Arial" panose="020B0604020202020204" pitchFamily="34" charset="0"/>
+              <a:buChar char="•"/>
+            </a:pPr>
+            <a:r>
+              <a:rPr lang="en-GB" sz="3200" dirty="0">
+                <a:solidFill>
+                  <a:srgbClr val="002060"/>
+                </a:solidFill>
+              </a:rPr>
+              <a:t>Accelerating the process is possible. </a:t>
+            </a:r>
+          </a:p>
+          <a:p>
+            <a:pPr marL="457200" indent="-457200" algn="just">
+              <a:buFont typeface="Arial" panose="020B0604020202020204" pitchFamily="34" charset="0"/>
+              <a:buChar char="•"/>
+            </a:pPr>
+            <a:r>
+              <a:rPr lang="en-GB" sz="3200" dirty="0">
+                <a:solidFill>
+                  <a:srgbClr val="002060"/>
+                </a:solidFill>
+              </a:rPr>
+              <a:t>Iteration-based control </a:t>
+            </a:r>
+            <a:r>
+              <a:rPr lang="en-GB" sz="3200" dirty="0">
+                <a:solidFill>
+                  <a:srgbClr val="002060"/>
+                </a:solidFill>
+                <a:latin typeface="Times New Roman" panose="02020603050405020304" pitchFamily="18" charset="0"/>
+                <a:cs typeface="Times New Roman" panose="02020603050405020304" pitchFamily="18" charset="0"/>
+              </a:rPr>
+              <a:t>→ </a:t>
+            </a:r>
+            <a:r>
+              <a:rPr lang="en-GB" sz="3200" dirty="0">
+                <a:solidFill>
+                  <a:srgbClr val="002060"/>
+                </a:solidFill>
+              </a:rPr>
+              <a:t>residual-based control for optimum performance. </a:t>
+            </a:r>
+          </a:p>
+          <a:p>
+            <a:pPr marL="457200" indent="-457200" algn="just">
+              <a:buFont typeface="Arial" panose="020B0604020202020204" pitchFamily="34" charset="0"/>
+              <a:buChar char="•"/>
+            </a:pPr>
+            <a:r>
+              <a:rPr lang="en-GB" sz="3200" dirty="0">
+                <a:solidFill>
+                  <a:srgbClr val="002060"/>
+                </a:solidFill>
+              </a:rPr>
+              <a:t>The resulting shape and stress field is similar for all cases (Fig. 3).</a:t>
             </a:r>
           </a:p>
         </p:txBody>
@@ -17892,55 +17502,6 @@
           <a:xfrm>
             <a:off x="14417467" y="20534237"/>
             <a:ext cx="6828005" cy="3898214"/>
-          </a:xfrm>
-          <a:prstGeom prst="roundRect">
-            <a:avLst>
-              <a:gd name="adj" fmla="val 8594"/>
-            </a:avLst>
-          </a:prstGeom>
-          <a:solidFill>
-            <a:srgbClr val="FFFFFF">
-              <a:shade val="85000"/>
-            </a:srgbClr>
-          </a:solidFill>
-          <a:ln>
-            <a:noFill/>
-          </a:ln>
-          <a:effectLst>
-            <a:reflection blurRad="12700" stA="38000" endPos="28000" dist="5000" dir="5400000" sy="-100000" algn="bl" rotWithShape="0"/>
-          </a:effectLst>
-        </p:spPr>
-      </p:pic>
-      <p:pic>
-        <p:nvPicPr>
-          <p:cNvPr id="16" name="Picture 15">
-            <a:extLst>
-              <a:ext uri="{FF2B5EF4-FFF2-40B4-BE49-F238E27FC236}">
-                <a16:creationId xmlns:a16="http://schemas.microsoft.com/office/drawing/2014/main" id="{0055DCAB-DD88-42DD-9A9D-8E7D6A9B38A9}"/>
-              </a:ext>
-            </a:extLst>
-          </p:cNvPr>
-          <p:cNvPicPr>
-            <a:picLocks noChangeAspect="1"/>
-          </p:cNvPicPr>
-          <p:nvPr/>
-        </p:nvPicPr>
-        <p:blipFill>
-          <a:blip r:embed="rId19" cstate="print">
-            <a:extLst>
-              <a:ext uri="{28A0092B-C50C-407E-A947-70E740481C1C}">
-                <a14:useLocalDpi xmlns:a14="http://schemas.microsoft.com/office/drawing/2010/main" val="0"/>
-              </a:ext>
-            </a:extLst>
-          </a:blip>
-          <a:stretch>
-            <a:fillRect/>
-          </a:stretch>
-        </p:blipFill>
-        <p:spPr>
-          <a:xfrm>
-            <a:off x="235128" y="28411501"/>
-            <a:ext cx="2195863" cy="1600438"/>
           </a:xfrm>
           <a:prstGeom prst="roundRect">
             <a:avLst>
@@ -18278,10 +17839,677 @@
         </p:xfrm>
         <a:graphic>
           <a:graphicData uri="http://schemas.openxmlformats.org/drawingml/2006/chart">
-            <c:chart xmlns:c="http://schemas.openxmlformats.org/drawingml/2006/chart" xmlns:r="http://schemas.openxmlformats.org/officeDocument/2006/relationships" r:id="rId20"/>
+            <c:chart xmlns:c="http://schemas.openxmlformats.org/drawingml/2006/chart" xmlns:r="http://schemas.openxmlformats.org/officeDocument/2006/relationships" r:id="rId19"/>
           </a:graphicData>
         </a:graphic>
       </p:graphicFrame>
+      <p:pic>
+        <p:nvPicPr>
+          <p:cNvPr id="7" name="Imagen 6">
+            <a:extLst>
+              <a:ext uri="{FF2B5EF4-FFF2-40B4-BE49-F238E27FC236}">
+                <a16:creationId xmlns:a16="http://schemas.microsoft.com/office/drawing/2014/main" id="{0E8C1B18-D784-4BFF-9E8A-1C3B8DBD67E6}"/>
+              </a:ext>
+            </a:extLst>
+          </p:cNvPr>
+          <p:cNvPicPr>
+            <a:picLocks noChangeAspect="1"/>
+          </p:cNvPicPr>
+          <p:nvPr/>
+        </p:nvPicPr>
+        <p:blipFill>
+          <a:blip r:embed="rId20"/>
+          <a:stretch>
+            <a:fillRect/>
+          </a:stretch>
+        </p:blipFill>
+        <p:spPr>
+          <a:xfrm>
+            <a:off x="18529513" y="2516956"/>
+            <a:ext cx="2659146" cy="1063658"/>
+          </a:xfrm>
+          <a:prstGeom prst="roundRect">
+            <a:avLst>
+              <a:gd name="adj" fmla="val 8594"/>
+            </a:avLst>
+          </a:prstGeom>
+          <a:solidFill>
+            <a:srgbClr val="FFFFFF">
+              <a:shade val="85000"/>
+            </a:srgbClr>
+          </a:solidFill>
+          <a:ln>
+            <a:noFill/>
+          </a:ln>
+          <a:effectLst>
+            <a:reflection blurRad="12700" stA="38000" endPos="28000" dist="5000" dir="5400000" sy="-100000" algn="bl" rotWithShape="0"/>
+          </a:effectLst>
+        </p:spPr>
+      </p:pic>
+      <p:pic>
+        <p:nvPicPr>
+          <p:cNvPr id="56" name="Picture 15">
+            <a:extLst>
+              <a:ext uri="{FF2B5EF4-FFF2-40B4-BE49-F238E27FC236}">
+                <a16:creationId xmlns:a16="http://schemas.microsoft.com/office/drawing/2014/main" id="{2E54DEB6-CA6E-4FD7-B296-91138EEF16E6}"/>
+              </a:ext>
+            </a:extLst>
+          </p:cNvPr>
+          <p:cNvPicPr>
+            <a:picLocks noChangeAspect="1"/>
+          </p:cNvPicPr>
+          <p:nvPr/>
+        </p:nvPicPr>
+        <p:blipFill>
+          <a:blip r:embed="rId21" cstate="print">
+            <a:extLst>
+              <a:ext uri="{28A0092B-C50C-407E-A947-70E740481C1C}">
+                <a14:useLocalDpi xmlns:a14="http://schemas.microsoft.com/office/drawing/2010/main" val="0"/>
+              </a:ext>
+            </a:extLst>
+          </a:blip>
+          <a:stretch>
+            <a:fillRect/>
+          </a:stretch>
+        </p:blipFill>
+        <p:spPr>
+          <a:xfrm>
+            <a:off x="165583" y="2519840"/>
+            <a:ext cx="1679853" cy="1224348"/>
+          </a:xfrm>
+          <a:prstGeom prst="roundRect">
+            <a:avLst>
+              <a:gd name="adj" fmla="val 8594"/>
+            </a:avLst>
+          </a:prstGeom>
+          <a:solidFill>
+            <a:srgbClr val="FFFFFF">
+              <a:shade val="85000"/>
+            </a:srgbClr>
+          </a:solidFill>
+          <a:ln>
+            <a:noFill/>
+          </a:ln>
+          <a:effectLst>
+            <a:reflection blurRad="12700" stA="38000" endPos="28000" dist="5000" dir="5400000" sy="-100000" algn="bl" rotWithShape="0"/>
+          </a:effectLst>
+        </p:spPr>
+      </p:pic>
+      <p:sp>
+        <p:nvSpPr>
+          <p:cNvPr id="58" name="Rectangle 57">
+            <a:extLst>
+              <a:ext uri="{FF2B5EF4-FFF2-40B4-BE49-F238E27FC236}">
+                <a16:creationId xmlns:a16="http://schemas.microsoft.com/office/drawing/2014/main" id="{E3FFBFE1-D895-4096-9C18-5EF37196B1EF}"/>
+              </a:ext>
+            </a:extLst>
+          </p:cNvPr>
+          <p:cNvSpPr/>
+          <p:nvPr/>
+        </p:nvSpPr>
+        <p:spPr>
+          <a:xfrm>
+            <a:off x="10338739" y="19509400"/>
+            <a:ext cx="11000382" cy="1200329"/>
+          </a:xfrm>
+          <a:prstGeom prst="rect">
+            <a:avLst/>
+          </a:prstGeom>
+        </p:spPr>
+        <p:txBody>
+          <a:bodyPr wrap="square">
+            <a:spAutoFit/>
+          </a:bodyPr>
+          <a:lstStyle/>
+          <a:p>
+            <a:pPr algn="just"/>
+            <a:r>
+              <a:rPr lang="es-MX" sz="1200" b="1" dirty="0">
+                <a:solidFill>
+                  <a:srgbClr val="002060"/>
+                </a:solidFill>
+                <a:latin typeface="+mj-lt"/>
+              </a:rPr>
+              <a:t>[1] Gray, J., Moore, K., &amp; </a:t>
+            </a:r>
+            <a:r>
+              <a:rPr lang="es-MX" sz="1200" b="1" dirty="0" err="1">
+                <a:solidFill>
+                  <a:srgbClr val="002060"/>
+                </a:solidFill>
+                <a:latin typeface="+mj-lt"/>
+              </a:rPr>
+              <a:t>Naylor</a:t>
+            </a:r>
+            <a:r>
+              <a:rPr lang="es-MX" sz="1200" b="1" dirty="0">
+                <a:solidFill>
+                  <a:srgbClr val="002060"/>
+                </a:solidFill>
+                <a:latin typeface="+mj-lt"/>
+              </a:rPr>
+              <a:t>, B. (2010, </a:t>
+            </a:r>
+            <a:r>
+              <a:rPr lang="es-MX" sz="1200" b="1" dirty="0" err="1">
+                <a:solidFill>
+                  <a:srgbClr val="002060"/>
+                </a:solidFill>
+                <a:latin typeface="+mj-lt"/>
+              </a:rPr>
+              <a:t>September</a:t>
+            </a:r>
+            <a:r>
+              <a:rPr lang="es-MX" sz="1200" b="1" dirty="0">
+                <a:solidFill>
+                  <a:srgbClr val="002060"/>
+                </a:solidFill>
+                <a:latin typeface="+mj-lt"/>
+              </a:rPr>
+              <a:t>). </a:t>
+            </a:r>
+            <a:r>
+              <a:rPr lang="es-MX" sz="1200" b="1" dirty="0" err="1">
+                <a:solidFill>
+                  <a:srgbClr val="002060"/>
+                </a:solidFill>
+                <a:latin typeface="+mj-lt"/>
+              </a:rPr>
+              <a:t>OpenMDAO</a:t>
+            </a:r>
+            <a:r>
+              <a:rPr lang="es-MX" sz="1200" b="1" dirty="0">
+                <a:solidFill>
+                  <a:srgbClr val="002060"/>
+                </a:solidFill>
+                <a:latin typeface="+mj-lt"/>
+              </a:rPr>
+              <a:t>: </a:t>
+            </a:r>
+            <a:r>
+              <a:rPr lang="es-MX" sz="1200" b="1" dirty="0" err="1">
+                <a:solidFill>
+                  <a:srgbClr val="002060"/>
+                </a:solidFill>
+                <a:latin typeface="+mj-lt"/>
+              </a:rPr>
+              <a:t>An</a:t>
+            </a:r>
+            <a:r>
+              <a:rPr lang="es-MX" sz="1200" b="1" dirty="0">
+                <a:solidFill>
+                  <a:srgbClr val="002060"/>
+                </a:solidFill>
+                <a:latin typeface="+mj-lt"/>
+              </a:rPr>
+              <a:t> open </a:t>
+            </a:r>
+            <a:r>
+              <a:rPr lang="es-MX" sz="1200" b="1" dirty="0" err="1">
+                <a:solidFill>
+                  <a:srgbClr val="002060"/>
+                </a:solidFill>
+                <a:latin typeface="+mj-lt"/>
+              </a:rPr>
+              <a:t>source</a:t>
+            </a:r>
+            <a:r>
+              <a:rPr lang="es-MX" sz="1200" b="1" dirty="0">
+                <a:solidFill>
+                  <a:srgbClr val="002060"/>
+                </a:solidFill>
+                <a:latin typeface="+mj-lt"/>
+              </a:rPr>
+              <a:t> </a:t>
+            </a:r>
+            <a:r>
+              <a:rPr lang="es-MX" sz="1200" b="1" dirty="0" err="1">
+                <a:solidFill>
+                  <a:srgbClr val="002060"/>
+                </a:solidFill>
+                <a:latin typeface="+mj-lt"/>
+              </a:rPr>
+              <a:t>framework</a:t>
+            </a:r>
+            <a:r>
+              <a:rPr lang="es-MX" sz="1200" b="1" dirty="0">
+                <a:solidFill>
+                  <a:srgbClr val="002060"/>
+                </a:solidFill>
+                <a:latin typeface="+mj-lt"/>
+              </a:rPr>
+              <a:t> </a:t>
+            </a:r>
+            <a:r>
+              <a:rPr lang="es-MX" sz="1200" b="1" dirty="0" err="1">
+                <a:solidFill>
+                  <a:srgbClr val="002060"/>
+                </a:solidFill>
+                <a:latin typeface="+mj-lt"/>
+              </a:rPr>
+              <a:t>for</a:t>
+            </a:r>
+            <a:r>
+              <a:rPr lang="es-MX" sz="1200" b="1" dirty="0">
+                <a:solidFill>
+                  <a:srgbClr val="002060"/>
+                </a:solidFill>
+                <a:latin typeface="+mj-lt"/>
+              </a:rPr>
+              <a:t> </a:t>
+            </a:r>
+            <a:r>
+              <a:rPr lang="es-MX" sz="1200" b="1" dirty="0" err="1">
+                <a:solidFill>
+                  <a:srgbClr val="002060"/>
+                </a:solidFill>
+                <a:latin typeface="+mj-lt"/>
+              </a:rPr>
+              <a:t>multidisciplinary</a:t>
+            </a:r>
+            <a:r>
+              <a:rPr lang="es-MX" sz="1200" b="1" dirty="0">
+                <a:solidFill>
+                  <a:srgbClr val="002060"/>
+                </a:solidFill>
+                <a:latin typeface="+mj-lt"/>
+              </a:rPr>
+              <a:t> </a:t>
+            </a:r>
+            <a:r>
+              <a:rPr lang="es-MX" sz="1200" b="1" dirty="0" err="1">
+                <a:solidFill>
+                  <a:srgbClr val="002060"/>
+                </a:solidFill>
+                <a:latin typeface="+mj-lt"/>
+              </a:rPr>
+              <a:t>analysis</a:t>
+            </a:r>
+            <a:r>
+              <a:rPr lang="es-MX" sz="1200" b="1" dirty="0">
+                <a:solidFill>
+                  <a:srgbClr val="002060"/>
+                </a:solidFill>
+                <a:latin typeface="+mj-lt"/>
+              </a:rPr>
+              <a:t> and </a:t>
+            </a:r>
+            <a:r>
+              <a:rPr lang="es-MX" sz="1200" b="1" dirty="0" err="1">
+                <a:solidFill>
+                  <a:srgbClr val="002060"/>
+                </a:solidFill>
+                <a:latin typeface="+mj-lt"/>
+              </a:rPr>
+              <a:t>optimization</a:t>
+            </a:r>
+            <a:r>
+              <a:rPr lang="es-MX" sz="1200" b="1" dirty="0">
+                <a:solidFill>
+                  <a:srgbClr val="002060"/>
+                </a:solidFill>
+                <a:latin typeface="+mj-lt"/>
+              </a:rPr>
+              <a:t>. In 13th AIAA/ISSMO </a:t>
+            </a:r>
+            <a:r>
+              <a:rPr lang="es-MX" sz="1200" b="1" dirty="0" err="1">
+                <a:solidFill>
+                  <a:srgbClr val="002060"/>
+                </a:solidFill>
+                <a:latin typeface="+mj-lt"/>
+              </a:rPr>
+              <a:t>Multidisciplinary</a:t>
+            </a:r>
+            <a:r>
+              <a:rPr lang="es-MX" sz="1200" b="1" dirty="0">
+                <a:solidFill>
+                  <a:srgbClr val="002060"/>
+                </a:solidFill>
+                <a:latin typeface="+mj-lt"/>
+              </a:rPr>
+              <a:t> </a:t>
+            </a:r>
+            <a:r>
+              <a:rPr lang="es-MX" sz="1200" b="1" dirty="0" err="1">
+                <a:solidFill>
+                  <a:srgbClr val="002060"/>
+                </a:solidFill>
+                <a:latin typeface="+mj-lt"/>
+              </a:rPr>
+              <a:t>Analysis</a:t>
+            </a:r>
+            <a:r>
+              <a:rPr lang="es-MX" sz="1200" b="1" dirty="0">
+                <a:solidFill>
+                  <a:srgbClr val="002060"/>
+                </a:solidFill>
+                <a:latin typeface="+mj-lt"/>
+              </a:rPr>
+              <a:t> </a:t>
+            </a:r>
+            <a:r>
+              <a:rPr lang="es-MX" sz="1200" b="1" dirty="0" err="1">
+                <a:solidFill>
+                  <a:srgbClr val="002060"/>
+                </a:solidFill>
+                <a:latin typeface="+mj-lt"/>
+              </a:rPr>
+              <a:t>Optimization</a:t>
+            </a:r>
+            <a:r>
+              <a:rPr lang="es-MX" sz="1200" b="1" dirty="0">
+                <a:solidFill>
+                  <a:srgbClr val="002060"/>
+                </a:solidFill>
+                <a:latin typeface="+mj-lt"/>
+              </a:rPr>
+              <a:t> </a:t>
+            </a:r>
+            <a:r>
+              <a:rPr lang="es-MX" sz="1200" b="1" dirty="0" err="1">
+                <a:solidFill>
+                  <a:srgbClr val="002060"/>
+                </a:solidFill>
+                <a:latin typeface="+mj-lt"/>
+              </a:rPr>
+              <a:t>Conference</a:t>
+            </a:r>
+            <a:r>
+              <a:rPr lang="es-MX" sz="1200" b="1" dirty="0">
+                <a:solidFill>
+                  <a:srgbClr val="002060"/>
+                </a:solidFill>
+                <a:latin typeface="+mj-lt"/>
+              </a:rPr>
+              <a:t> (p. 9101).</a:t>
+            </a:r>
+            <a:endParaRPr lang="en-US" sz="1200" b="1" dirty="0">
+              <a:solidFill>
+                <a:srgbClr val="002060"/>
+              </a:solidFill>
+              <a:latin typeface="+mn-lt"/>
+            </a:endParaRPr>
+          </a:p>
+          <a:p>
+            <a:r>
+              <a:rPr lang="en-GB" sz="1200" b="1" dirty="0">
+                <a:solidFill>
+                  <a:srgbClr val="002060"/>
+                </a:solidFill>
+                <a:latin typeface="+mn-lt"/>
+              </a:rPr>
+              <a:t>[2] </a:t>
+            </a:r>
+            <a:r>
+              <a:rPr lang="en-GB" sz="1200" b="1" dirty="0" err="1">
+                <a:solidFill>
+                  <a:srgbClr val="002060"/>
+                </a:solidFill>
+                <a:latin typeface="+mn-lt"/>
+              </a:rPr>
+              <a:t>Peherstorfer</a:t>
+            </a:r>
+            <a:r>
+              <a:rPr lang="en-GB" sz="1200" b="1" dirty="0">
+                <a:solidFill>
+                  <a:srgbClr val="002060"/>
+                </a:solidFill>
+                <a:latin typeface="+mn-lt"/>
+              </a:rPr>
+              <a:t>, B., Willcox, K., &amp; </a:t>
+            </a:r>
+            <a:r>
+              <a:rPr lang="en-GB" sz="1200" b="1" dirty="0" err="1">
+                <a:solidFill>
+                  <a:srgbClr val="002060"/>
+                </a:solidFill>
+                <a:latin typeface="+mn-lt"/>
+              </a:rPr>
+              <a:t>Gunzburger</a:t>
+            </a:r>
+            <a:r>
+              <a:rPr lang="en-GB" sz="1200" b="1" dirty="0">
+                <a:solidFill>
+                  <a:srgbClr val="002060"/>
+                </a:solidFill>
+                <a:latin typeface="+mn-lt"/>
+              </a:rPr>
+              <a:t>, M. (2018). Survey of </a:t>
+            </a:r>
+            <a:r>
+              <a:rPr lang="en-GB" sz="1200" b="1" dirty="0" err="1">
+                <a:solidFill>
+                  <a:srgbClr val="002060"/>
+                </a:solidFill>
+                <a:latin typeface="+mn-lt"/>
+              </a:rPr>
+              <a:t>multifidelity</a:t>
+            </a:r>
+            <a:r>
+              <a:rPr lang="en-GB" sz="1200" b="1" dirty="0">
+                <a:solidFill>
+                  <a:srgbClr val="002060"/>
+                </a:solidFill>
+                <a:latin typeface="+mn-lt"/>
+              </a:rPr>
+              <a:t> methods in uncertainty propagation, inference, and optimization. SIAM Review, 60(3),            550-591.</a:t>
+            </a:r>
+            <a:endParaRPr lang="en-US" sz="1200" b="1" dirty="0">
+              <a:solidFill>
+                <a:srgbClr val="002060"/>
+              </a:solidFill>
+              <a:latin typeface="+mn-lt"/>
+            </a:endParaRPr>
+          </a:p>
+          <a:p>
+            <a:pPr algn="just"/>
+            <a:r>
+              <a:rPr lang="es-MX" sz="1200" b="1" dirty="0">
+                <a:solidFill>
+                  <a:srgbClr val="002060"/>
+                </a:solidFill>
+                <a:latin typeface="+mn-lt"/>
+              </a:rPr>
+              <a:t>[3] Mas-Colomer, J. (2018). </a:t>
+            </a:r>
+            <a:r>
+              <a:rPr lang="es-MX" sz="1200" b="1" i="1" dirty="0" err="1">
+                <a:solidFill>
+                  <a:srgbClr val="002060"/>
+                </a:solidFill>
+                <a:latin typeface="+mn-lt"/>
+              </a:rPr>
+              <a:t>Aeroelastic</a:t>
+            </a:r>
+            <a:r>
+              <a:rPr lang="es-MX" sz="1200" b="1" i="1" dirty="0">
+                <a:solidFill>
+                  <a:srgbClr val="002060"/>
+                </a:solidFill>
+                <a:latin typeface="+mn-lt"/>
+              </a:rPr>
+              <a:t> </a:t>
+            </a:r>
+            <a:r>
+              <a:rPr lang="es-MX" sz="1200" b="1" i="1" dirty="0" err="1">
+                <a:solidFill>
+                  <a:srgbClr val="002060"/>
+                </a:solidFill>
+                <a:latin typeface="+mn-lt"/>
+              </a:rPr>
+              <a:t>Similarity</a:t>
+            </a:r>
+            <a:r>
+              <a:rPr lang="es-MX" sz="1200" b="1" i="1" dirty="0">
+                <a:solidFill>
+                  <a:srgbClr val="002060"/>
+                </a:solidFill>
+                <a:latin typeface="+mn-lt"/>
+              </a:rPr>
+              <a:t> </a:t>
+            </a:r>
+            <a:r>
+              <a:rPr lang="es-MX" sz="1200" b="1" i="1" dirty="0" err="1">
+                <a:solidFill>
+                  <a:srgbClr val="002060"/>
+                </a:solidFill>
+                <a:latin typeface="+mn-lt"/>
+              </a:rPr>
+              <a:t>of</a:t>
+            </a:r>
+            <a:r>
+              <a:rPr lang="es-MX" sz="1200" b="1" i="1" dirty="0">
+                <a:solidFill>
+                  <a:srgbClr val="002060"/>
+                </a:solidFill>
+                <a:latin typeface="+mn-lt"/>
+              </a:rPr>
+              <a:t> a Flight </a:t>
+            </a:r>
+            <a:r>
+              <a:rPr lang="es-MX" sz="1200" b="1" i="1" dirty="0" err="1">
+                <a:solidFill>
+                  <a:srgbClr val="002060"/>
+                </a:solidFill>
+                <a:latin typeface="+mn-lt"/>
+              </a:rPr>
+              <a:t>Demonstrator</a:t>
+            </a:r>
+            <a:r>
+              <a:rPr lang="es-MX" sz="1200" b="1" i="1" dirty="0">
+                <a:solidFill>
+                  <a:srgbClr val="002060"/>
+                </a:solidFill>
+                <a:latin typeface="+mn-lt"/>
+              </a:rPr>
+              <a:t> </a:t>
+            </a:r>
+            <a:r>
+              <a:rPr lang="es-MX" sz="1200" b="1" i="1" dirty="0" err="1">
+                <a:solidFill>
+                  <a:srgbClr val="002060"/>
+                </a:solidFill>
+                <a:latin typeface="+mn-lt"/>
+              </a:rPr>
+              <a:t>via</a:t>
+            </a:r>
+            <a:r>
+              <a:rPr lang="es-MX" sz="1200" b="1" i="1" dirty="0">
+                <a:solidFill>
+                  <a:srgbClr val="002060"/>
+                </a:solidFill>
+                <a:latin typeface="+mn-lt"/>
+              </a:rPr>
+              <a:t> </a:t>
+            </a:r>
+            <a:r>
+              <a:rPr lang="es-MX" sz="1200" b="1" i="1" dirty="0" err="1">
+                <a:solidFill>
+                  <a:srgbClr val="002060"/>
+                </a:solidFill>
+                <a:latin typeface="+mn-lt"/>
+              </a:rPr>
+              <a:t>Multidisciplinary</a:t>
+            </a:r>
+            <a:r>
+              <a:rPr lang="es-MX" sz="1200" b="1" i="1" dirty="0">
+                <a:solidFill>
+                  <a:srgbClr val="002060"/>
+                </a:solidFill>
+                <a:latin typeface="+mn-lt"/>
+              </a:rPr>
+              <a:t> </a:t>
+            </a:r>
+            <a:r>
+              <a:rPr lang="es-MX" sz="1200" b="1" i="1" dirty="0" err="1">
+                <a:solidFill>
+                  <a:srgbClr val="002060"/>
+                </a:solidFill>
+                <a:latin typeface="+mn-lt"/>
+              </a:rPr>
+              <a:t>Optimization</a:t>
+            </a:r>
+            <a:r>
+              <a:rPr lang="es-MX" sz="1200" b="1" dirty="0">
+                <a:solidFill>
+                  <a:srgbClr val="002060"/>
+                </a:solidFill>
+                <a:latin typeface="+mn-lt"/>
+              </a:rPr>
+              <a:t> (Doctoral </a:t>
+            </a:r>
+            <a:r>
+              <a:rPr lang="es-MX" sz="1200" b="1" dirty="0" err="1">
+                <a:solidFill>
+                  <a:srgbClr val="002060"/>
+                </a:solidFill>
+                <a:latin typeface="+mn-lt"/>
+              </a:rPr>
+              <a:t>dissertation</a:t>
+            </a:r>
+            <a:r>
+              <a:rPr lang="es-MX" sz="1200" b="1" dirty="0">
+                <a:solidFill>
+                  <a:srgbClr val="002060"/>
+                </a:solidFill>
+                <a:latin typeface="+mn-lt"/>
+              </a:rPr>
+              <a:t>, </a:t>
+            </a:r>
+            <a:r>
+              <a:rPr lang="es-MX" sz="1200" b="1" dirty="0" err="1">
+                <a:solidFill>
+                  <a:srgbClr val="002060"/>
+                </a:solidFill>
+                <a:latin typeface="+mn-lt"/>
+              </a:rPr>
+              <a:t>Université</a:t>
+            </a:r>
+            <a:r>
+              <a:rPr lang="es-MX" sz="1200" b="1" dirty="0">
+                <a:solidFill>
+                  <a:srgbClr val="002060"/>
+                </a:solidFill>
+                <a:latin typeface="+mn-lt"/>
+              </a:rPr>
+              <a:t> </a:t>
+            </a:r>
+            <a:r>
+              <a:rPr lang="es-MX" sz="1200" b="1" dirty="0" err="1">
+                <a:solidFill>
+                  <a:srgbClr val="002060"/>
+                </a:solidFill>
+                <a:latin typeface="+mn-lt"/>
+              </a:rPr>
+              <a:t>Fédérale</a:t>
+            </a:r>
+            <a:r>
+              <a:rPr lang="es-MX" sz="1200" b="1" dirty="0">
+                <a:solidFill>
+                  <a:srgbClr val="002060"/>
+                </a:solidFill>
+                <a:latin typeface="+mn-lt"/>
+              </a:rPr>
+              <a:t> de Toulouse).</a:t>
+            </a:r>
+            <a:endParaRPr lang="en-US" sz="1200" b="1" dirty="0">
+              <a:solidFill>
+                <a:srgbClr val="002060"/>
+              </a:solidFill>
+              <a:latin typeface="+mn-lt"/>
+            </a:endParaRPr>
+          </a:p>
+          <a:p>
+            <a:endParaRPr lang="en-US" sz="1200" dirty="0">
+              <a:solidFill>
+                <a:srgbClr val="002060"/>
+              </a:solidFill>
+              <a:latin typeface="+mj-lt"/>
+            </a:endParaRPr>
+          </a:p>
+        </p:txBody>
+      </p:sp>
     </p:spTree>
     <p:extLst>
       <p:ext uri="{BB962C8B-B14F-4D97-AF65-F5344CB8AC3E}">

--- a/S3 Poster/Multifidelity aeroelastic optimization with application to a BWB.pptx
+++ b/S3 Poster/Multifidelity aeroelastic optimization with application to a BWB.pptx
@@ -5186,7 +5186,7 @@
       <dsp:spPr>
         <a:xfrm>
           <a:off x="2239844" y="547464"/>
-          <a:ext cx="4362038" cy="4362038"/>
+          <a:ext cx="4362039" cy="4362039"/>
         </a:xfrm>
         <a:custGeom>
           <a:avLst/>
@@ -5197,9 +5197,9 @@
           <a:pathLst>
             <a:path>
               <a:moveTo>
-                <a:pt x="3245729" y="277539"/>
+                <a:pt x="3245730" y="277539"/>
               </a:moveTo>
-              <a:arcTo wR="2181019" hR="2181019" stAng="17953226" swAng="1211870"/>
+              <a:arcTo wR="2181019" hR="2181019" stAng="17953226" swAng="1211871"/>
             </a:path>
           </a:pathLst>
         </a:custGeom>
@@ -5316,7 +5316,7 @@
       <dsp:spPr>
         <a:xfrm>
           <a:off x="2239844" y="547464"/>
-          <a:ext cx="4362038" cy="4362038"/>
+          <a:ext cx="4362039" cy="4362039"/>
         </a:xfrm>
         <a:custGeom>
           <a:avLst/>
@@ -5368,7 +5368,7 @@
       </dsp:nvSpPr>
       <dsp:spPr>
         <a:xfrm>
-          <a:off x="4863129" y="3947156"/>
+          <a:off x="4863129" y="3947157"/>
           <a:ext cx="1679410" cy="1091616"/>
         </a:xfrm>
         <a:prstGeom prst="roundRect">
@@ -5454,7 +5454,7 @@
         </a:p>
       </dsp:txBody>
       <dsp:txXfrm>
-        <a:off x="4916417" y="4000444"/>
+        <a:off x="4916417" y="4000445"/>
         <a:ext cx="1572834" cy="985040"/>
       </dsp:txXfrm>
     </dsp:sp>
@@ -5466,7 +5466,7 @@
       <dsp:spPr>
         <a:xfrm>
           <a:off x="2239844" y="547464"/>
-          <a:ext cx="4362038" cy="4362038"/>
+          <a:ext cx="4362039" cy="4362039"/>
         </a:xfrm>
         <a:custGeom>
           <a:avLst/>
@@ -5477,7 +5477,7 @@
           <a:pathLst>
             <a:path>
               <a:moveTo>
-                <a:pt x="2448789" y="4345538"/>
+                <a:pt x="2448790" y="4345539"/>
               </a:moveTo>
               <a:arcTo wR="2181019" hR="2181019" stAng="4976869" swAng="846261"/>
             </a:path>
@@ -5518,7 +5518,7 @@
       </dsp:nvSpPr>
       <dsp:spPr>
         <a:xfrm>
-          <a:off x="2299188" y="3947156"/>
+          <a:off x="2299187" y="3947157"/>
           <a:ext cx="1679410" cy="1091616"/>
         </a:xfrm>
         <a:prstGeom prst="roundRect">
@@ -5610,7 +5610,7 @@
         </a:p>
       </dsp:txBody>
       <dsp:txXfrm>
-        <a:off x="2352476" y="4000444"/>
+        <a:off x="2352475" y="4000445"/>
         <a:ext cx="1572834" cy="985040"/>
       </dsp:txXfrm>
     </dsp:sp>
@@ -5622,7 +5622,7 @@
       <dsp:spPr>
         <a:xfrm>
           <a:off x="2239844" y="547464"/>
-          <a:ext cx="4362038" cy="4362038"/>
+          <a:ext cx="4362039" cy="4362039"/>
         </a:xfrm>
         <a:custGeom>
           <a:avLst/>
@@ -5633,7 +5633,7 @@
           <a:pathLst>
             <a:path>
               <a:moveTo>
-                <a:pt x="231430" y="3158744"/>
+                <a:pt x="231430" y="3158745"/>
               </a:moveTo>
               <a:arcTo wR="2181019" hR="2181019" stAng="9201964" swAng="1359983"/>
             </a:path>
@@ -5772,7 +5772,7 @@
       <dsp:spPr>
         <a:xfrm>
           <a:off x="2239844" y="547464"/>
-          <a:ext cx="4362038" cy="4362038"/>
+          <a:ext cx="4362039" cy="4362039"/>
         </a:xfrm>
         <a:custGeom>
           <a:avLst/>
@@ -5785,7 +5785,7 @@
               <a:moveTo>
                 <a:pt x="524581" y="762196"/>
               </a:moveTo>
-              <a:arcTo wR="2181019" hR="2181019" stAng="13234903" swAng="1211870"/>
+              <a:arcTo wR="2181019" hR="2181019" stAng="13234903" swAng="1211871"/>
             </a:path>
           </a:pathLst>
         </a:custGeom>
@@ -5937,7 +5937,7 @@
       <dsp:spPr>
         <a:xfrm>
           <a:off x="2813031" y="548934"/>
-          <a:ext cx="3619223" cy="3619223"/>
+          <a:ext cx="3619224" cy="3619224"/>
         </a:xfrm>
         <a:custGeom>
           <a:avLst/>
@@ -5950,7 +5950,7 @@
               <a:moveTo>
                 <a:pt x="2884382" y="353739"/>
               </a:moveTo>
-              <a:arcTo wR="1809611" hR="1809611" stAng="18386155" swAng="1635116"/>
+              <a:arcTo wR="1809612" hR="1809612" stAng="18386155" swAng="1635117"/>
             </a:path>
           </a:pathLst>
         </a:custGeom>
@@ -6087,7 +6087,7 @@
       <dsp:spPr>
         <a:xfrm>
           <a:off x="2813031" y="548934"/>
-          <a:ext cx="3619223" cy="3619223"/>
+          <a:ext cx="3619224" cy="3619224"/>
         </a:xfrm>
         <a:custGeom>
           <a:avLst/>
@@ -6098,9 +6098,9 @@
           <a:pathLst>
             <a:path>
               <a:moveTo>
-                <a:pt x="3431734" y="2611742"/>
+                <a:pt x="3431734" y="2611743"/>
               </a:moveTo>
-              <a:arcTo wR="1809611" hR="1809611" stAng="1578729" swAng="1635116"/>
+              <a:arcTo wR="1809612" hR="1809612" stAng="1578729" swAng="1635117"/>
             </a:path>
           </a:pathLst>
         </a:custGeom>
@@ -6139,7 +6139,7 @@
       </dsp:nvSpPr>
       <dsp:spPr>
         <a:xfrm>
-          <a:off x="3780726" y="3620912"/>
+          <a:off x="3780726" y="3620913"/>
           <a:ext cx="1683834" cy="1094492"/>
         </a:xfrm>
         <a:prstGeom prst="roundRect">
@@ -6231,7 +6231,7 @@
         </a:p>
       </dsp:txBody>
       <dsp:txXfrm>
-        <a:off x="3834155" y="3674341"/>
+        <a:off x="3834155" y="3674342"/>
         <a:ext cx="1576976" cy="987634"/>
       </dsp:txXfrm>
     </dsp:sp>
@@ -6243,7 +6243,7 @@
       <dsp:spPr>
         <a:xfrm>
           <a:off x="2813031" y="548934"/>
-          <a:ext cx="3619223" cy="3619223"/>
+          <a:ext cx="3619224" cy="3619224"/>
         </a:xfrm>
         <a:custGeom>
           <a:avLst/>
@@ -6254,9 +6254,9 @@
           <a:pathLst>
             <a:path>
               <a:moveTo>
-                <a:pt x="734841" y="3265483"/>
+                <a:pt x="734841" y="3265484"/>
               </a:moveTo>
-              <a:arcTo wR="1809611" hR="1809611" stAng="7586155" swAng="1635116"/>
+              <a:arcTo wR="1809612" hR="1809612" stAng="7586155" swAng="1635117"/>
             </a:path>
           </a:pathLst>
         </a:custGeom>
@@ -6393,7 +6393,7 @@
       <dsp:spPr>
         <a:xfrm>
           <a:off x="2813031" y="548934"/>
-          <a:ext cx="3619223" cy="3619223"/>
+          <a:ext cx="3619224" cy="3619224"/>
         </a:xfrm>
         <a:custGeom>
           <a:avLst/>
@@ -6406,7 +6406,7 @@
               <a:moveTo>
                 <a:pt x="187489" y="1007481"/>
               </a:moveTo>
-              <a:arcTo wR="1809611" hR="1809611" stAng="12378729" swAng="1635116"/>
+              <a:arcTo wR="1809612" hR="1809612" stAng="12378729" swAng="1635117"/>
             </a:path>
           </a:pathLst>
         </a:custGeom>
@@ -11333,7 +11333,7 @@
               <a:pPr>
                 <a:defRPr/>
               </a:pPr>
-              <a:t>15/10/2019</a:t>
+              <a:t>06/02/2020</a:t>
             </a:fld>
             <a:endParaRPr lang="pt-BR"/>
           </a:p>
@@ -11546,7 +11546,7 @@
               <a:pPr>
                 <a:defRPr/>
               </a:pPr>
-              <a:t>15/10/2019</a:t>
+              <a:t>06/02/2020</a:t>
             </a:fld>
             <a:endParaRPr lang="pt-BR"/>
           </a:p>
@@ -11769,7 +11769,7 @@
               <a:pPr>
                 <a:defRPr/>
               </a:pPr>
-              <a:t>15/10/2019</a:t>
+              <a:t>06/02/2020</a:t>
             </a:fld>
             <a:endParaRPr lang="pt-BR"/>
           </a:p>
@@ -11982,7 +11982,7 @@
               <a:pPr>
                 <a:defRPr/>
               </a:pPr>
-              <a:t>15/10/2019</a:t>
+              <a:t>06/02/2020</a:t>
             </a:fld>
             <a:endParaRPr lang="pt-BR"/>
           </a:p>
@@ -12272,7 +12272,7 @@
               <a:pPr>
                 <a:defRPr/>
               </a:pPr>
-              <a:t>15/10/2019</a:t>
+              <a:t>06/02/2020</a:t>
             </a:fld>
             <a:endParaRPr lang="pt-BR"/>
           </a:p>
@@ -12602,7 +12602,7 @@
               <a:pPr>
                 <a:defRPr/>
               </a:pPr>
-              <a:t>15/10/2019</a:t>
+              <a:t>06/02/2020</a:t>
             </a:fld>
             <a:endParaRPr lang="pt-BR"/>
           </a:p>
@@ -13071,7 +13071,7 @@
               <a:pPr>
                 <a:defRPr/>
               </a:pPr>
-              <a:t>15/10/2019</a:t>
+              <a:t>06/02/2020</a:t>
             </a:fld>
             <a:endParaRPr lang="pt-BR"/>
           </a:p>
@@ -13233,7 +13233,7 @@
               <a:pPr>
                 <a:defRPr/>
               </a:pPr>
-              <a:t>15/10/2019</a:t>
+              <a:t>06/02/2020</a:t>
             </a:fld>
             <a:endParaRPr lang="pt-BR"/>
           </a:p>
@@ -13373,7 +13373,7 @@
               <a:pPr>
                 <a:defRPr/>
               </a:pPr>
-              <a:t>15/10/2019</a:t>
+              <a:t>06/02/2020</a:t>
             </a:fld>
             <a:endParaRPr lang="pt-BR"/>
           </a:p>
@@ -13693,7 +13693,7 @@
               <a:pPr>
                 <a:defRPr/>
               </a:pPr>
-              <a:t>15/10/2019</a:t>
+              <a:t>06/02/2020</a:t>
             </a:fld>
             <a:endParaRPr lang="pt-BR"/>
           </a:p>
@@ -13993,7 +13993,7 @@
               <a:pPr>
                 <a:defRPr/>
               </a:pPr>
-              <a:t>15/10/2019</a:t>
+              <a:t>06/02/2020</a:t>
             </a:fld>
             <a:endParaRPr lang="pt-BR"/>
           </a:p>
@@ -14318,7 +14318,7 @@
               <a:pPr>
                 <a:defRPr/>
               </a:pPr>
-              <a:t>15/10/2019</a:t>
+              <a:t>06/02/2020</a:t>
             </a:fld>
             <a:endParaRPr lang="pt-BR"/>
           </a:p>
@@ -15860,10 +15860,10 @@
         </p:nvGrpSpPr>
         <p:grpSpPr>
           <a:xfrm>
-            <a:off x="-679102" y="20067708"/>
-            <a:ext cx="19107407" cy="10187609"/>
-            <a:chOff x="1152264" y="19938300"/>
-            <a:chExt cx="19065469" cy="10187609"/>
+            <a:off x="-679102" y="20165487"/>
+            <a:ext cx="19107407" cy="10089830"/>
+            <a:chOff x="1152264" y="20036079"/>
+            <a:chExt cx="19065469" cy="10089830"/>
           </a:xfrm>
         </p:grpSpPr>
         <p:grpSp>
@@ -15880,10 +15880,10 @@
           </p:nvGrpSpPr>
           <p:grpSpPr>
             <a:xfrm>
-              <a:off x="1152264" y="19938300"/>
-              <a:ext cx="15591074" cy="9725944"/>
-              <a:chOff x="-397250" y="-143643"/>
-              <a:chExt cx="11149333" cy="7039559"/>
+              <a:off x="1152264" y="20036079"/>
+              <a:ext cx="15591074" cy="9628165"/>
+              <a:chOff x="-397250" y="-72871"/>
+              <a:chExt cx="11149333" cy="6968787"/>
             </a:xfrm>
           </p:grpSpPr>
           <p:sp>
@@ -16256,8 +16256,8 @@
             </p:nvSpPr>
             <p:spPr>
               <a:xfrm>
-                <a:off x="1240049" y="-143643"/>
-                <a:ext cx="3602355" cy="423255"/>
+                <a:off x="1240049" y="-72871"/>
+                <a:ext cx="4374233" cy="423255"/>
               </a:xfrm>
               <a:prstGeom prst="rect">
                 <a:avLst/>
@@ -16296,6 +16296,24 @@
                     <a:latin typeface="Georgia" panose="02040502050405020303" pitchFamily="18" charset="0"/>
                   </a:rPr>
                   <a:t>CDi</a:t>
+                </a:r>
+                <a:r>
+                  <a:rPr lang="es-MX" sz="3200" dirty="0">
+                    <a:solidFill>
+                      <a:srgbClr val="002060"/>
+                    </a:solidFill>
+                    <a:latin typeface="Georgia" panose="02040502050405020303" pitchFamily="18" charset="0"/>
+                  </a:rPr>
+                  <a:t>/</a:t>
+                </a:r>
+                <a:r>
+                  <a:rPr lang="es-MX" sz="3200" dirty="0" err="1">
+                    <a:solidFill>
+                      <a:srgbClr val="002060"/>
+                    </a:solidFill>
+                    <a:latin typeface="Georgia" panose="02040502050405020303" pitchFamily="18" charset="0"/>
+                  </a:rPr>
+                  <a:t>Breguet</a:t>
                 </a:r>
                 <a:r>
                   <a:rPr lang="es-MX" sz="3200" dirty="0">
